--- a/PPT/SaveTheChildren.pptx
+++ b/PPT/SaveTheChildren.pptx
@@ -5,7 +5,7 @@
     <p:sldMasterId id="2147483660" r:id="rId1"/>
   </p:sldMasterIdLst>
   <p:notesMasterIdLst>
-    <p:notesMasterId r:id="rId37"/>
+    <p:notesMasterId r:id="rId33"/>
   </p:notesMasterIdLst>
   <p:sldIdLst>
     <p:sldId id="256" r:id="rId2"/>
@@ -19,30 +19,26 @@
     <p:sldId id="282" r:id="rId10"/>
     <p:sldId id="283" r:id="rId11"/>
     <p:sldId id="284" r:id="rId12"/>
-    <p:sldId id="274" r:id="rId13"/>
-    <p:sldId id="258" r:id="rId14"/>
-    <p:sldId id="285" r:id="rId15"/>
-    <p:sldId id="286" r:id="rId16"/>
-    <p:sldId id="261" r:id="rId17"/>
-    <p:sldId id="287" r:id="rId18"/>
-    <p:sldId id="288" r:id="rId19"/>
-    <p:sldId id="289" r:id="rId20"/>
-    <p:sldId id="260" r:id="rId21"/>
-    <p:sldId id="263" r:id="rId22"/>
-    <p:sldId id="290" r:id="rId23"/>
-    <p:sldId id="291" r:id="rId24"/>
-    <p:sldId id="292" r:id="rId25"/>
-    <p:sldId id="293" r:id="rId26"/>
-    <p:sldId id="294" r:id="rId27"/>
-    <p:sldId id="295" r:id="rId28"/>
-    <p:sldId id="264" r:id="rId29"/>
-    <p:sldId id="267" r:id="rId30"/>
-    <p:sldId id="268" r:id="rId31"/>
-    <p:sldId id="269" r:id="rId32"/>
-    <p:sldId id="270" r:id="rId33"/>
-    <p:sldId id="271" r:id="rId34"/>
-    <p:sldId id="272" r:id="rId35"/>
-    <p:sldId id="273" r:id="rId36"/>
+    <p:sldId id="285" r:id="rId13"/>
+    <p:sldId id="286" r:id="rId14"/>
+    <p:sldId id="287" r:id="rId15"/>
+    <p:sldId id="288" r:id="rId16"/>
+    <p:sldId id="289" r:id="rId17"/>
+    <p:sldId id="290" r:id="rId18"/>
+    <p:sldId id="291" r:id="rId19"/>
+    <p:sldId id="292" r:id="rId20"/>
+    <p:sldId id="293" r:id="rId21"/>
+    <p:sldId id="294" r:id="rId22"/>
+    <p:sldId id="295" r:id="rId23"/>
+    <p:sldId id="296" r:id="rId24"/>
+    <p:sldId id="297" r:id="rId25"/>
+    <p:sldId id="301" r:id="rId26"/>
+    <p:sldId id="298" r:id="rId27"/>
+    <p:sldId id="299" r:id="rId28"/>
+    <p:sldId id="300" r:id="rId29"/>
+    <p:sldId id="302" r:id="rId30"/>
+    <p:sldId id="303" r:id="rId31"/>
+    <p:sldId id="304" r:id="rId32"/>
   </p:sldIdLst>
   <p:sldSz cx="9144000" cy="6858000" type="screen4x3"/>
   <p:notesSz cx="6858000" cy="9144000"/>
@@ -157,30 +153,26 @@
             <p14:sldId id="282"/>
             <p14:sldId id="283"/>
             <p14:sldId id="284"/>
-            <p14:sldId id="274"/>
-            <p14:sldId id="258"/>
             <p14:sldId id="285"/>
             <p14:sldId id="286"/>
-            <p14:sldId id="261"/>
             <p14:sldId id="287"/>
             <p14:sldId id="288"/>
             <p14:sldId id="289"/>
-            <p14:sldId id="260"/>
-            <p14:sldId id="263"/>
             <p14:sldId id="290"/>
             <p14:sldId id="291"/>
             <p14:sldId id="292"/>
             <p14:sldId id="293"/>
             <p14:sldId id="294"/>
             <p14:sldId id="295"/>
-            <p14:sldId id="264"/>
-            <p14:sldId id="267"/>
-            <p14:sldId id="268"/>
-            <p14:sldId id="269"/>
-            <p14:sldId id="270"/>
-            <p14:sldId id="271"/>
-            <p14:sldId id="272"/>
-            <p14:sldId id="273"/>
+            <p14:sldId id="296"/>
+            <p14:sldId id="297"/>
+            <p14:sldId id="301"/>
+            <p14:sldId id="298"/>
+            <p14:sldId id="299"/>
+            <p14:sldId id="300"/>
+            <p14:sldId id="302"/>
+            <p14:sldId id="303"/>
+            <p14:sldId id="304"/>
           </p14:sldIdLst>
         </p14:section>
       </p14:sectionLst>
@@ -680,65 +672,7 @@
           <a:bodyPr/>
           <a:lstStyle/>
           <a:p>
-            <a:r>
-              <a:rPr lang="en-US" dirty="0" smtClean="0"/>
-              <a:t>Here the use has the fields for the extra details:</a:t>
-            </a:r>
-          </a:p>
-          <a:p>
-            <a:pPr marL="171450" indent="-171450">
-              <a:buFontTx/>
-              <a:buChar char="-"/>
-            </a:pPr>
-            <a:r>
-              <a:rPr lang="en-US" dirty="0" smtClean="0"/>
-              <a:t>Date of the incident</a:t>
-            </a:r>
-          </a:p>
-          <a:p>
-            <a:pPr marL="171450" indent="-171450">
-              <a:buFontTx/>
-              <a:buChar char="-"/>
-            </a:pPr>
-            <a:r>
-              <a:rPr lang="en-US" dirty="0" smtClean="0"/>
-              <a:t>Time</a:t>
-            </a:r>
-          </a:p>
-          <a:p>
-            <a:pPr marL="171450" indent="-171450">
-              <a:buFontTx/>
-              <a:buChar char="-"/>
-            </a:pPr>
-            <a:r>
-              <a:rPr lang="en-US" dirty="0" smtClean="0"/>
-              <a:t>Location (free form) which can be an address or it has the capability to drop a pin on the map (pin it down option)</a:t>
-            </a:r>
-          </a:p>
-          <a:p>
-            <a:pPr marL="171450" indent="-171450">
-              <a:buFontTx/>
-              <a:buChar char="-"/>
-            </a:pPr>
-            <a:r>
-              <a:rPr lang="en-US" dirty="0" smtClean="0"/>
-              <a:t>Pictures</a:t>
-            </a:r>
-            <a:r>
-              <a:rPr lang="en-US" baseline="0" dirty="0" smtClean="0"/>
-              <a:t> can be attached</a:t>
-            </a:r>
-          </a:p>
-          <a:p>
-            <a:pPr marL="171450" indent="-171450">
-              <a:buFontTx/>
-              <a:buChar char="-"/>
-            </a:pPr>
-            <a:r>
-              <a:rPr lang="en-US" baseline="0" dirty="0" smtClean="0"/>
-              <a:t>Any other information free field</a:t>
-            </a:r>
-            <a:endParaRPr lang="en-US" dirty="0"/>
+            <a:endParaRPr lang="en-US" dirty="0" smtClean="0"/>
           </a:p>
         </p:txBody>
       </p:sp>
@@ -759,7 +693,7 @@
           <a:p>
             <a:fld id="{C852EBCA-43E0-8746-ADE2-07FDA1D34571}" type="slidenum">
               <a:rPr lang="en-US" smtClean="0"/>
-              <a:t>17</a:t>
+              <a:t>16</a:t>
             </a:fld>
             <a:endParaRPr lang="en-US"/>
           </a:p>
@@ -824,88 +758,23 @@
           <a:p>
             <a:r>
               <a:rPr lang="en-US" dirty="0" smtClean="0"/>
-              <a:t>Here the use has the fields for the extra details:</a:t>
-            </a:r>
-          </a:p>
-          <a:p>
-            <a:pPr marL="171450" indent="-171450">
-              <a:buFontTx/>
-              <a:buChar char="-"/>
-            </a:pPr>
-            <a:r>
-              <a:rPr lang="en-US" dirty="0" smtClean="0"/>
-              <a:t>Date of the incident</a:t>
-            </a:r>
-          </a:p>
-          <a:p>
-            <a:pPr marL="171450" indent="-171450">
-              <a:buFontTx/>
-              <a:buChar char="-"/>
-            </a:pPr>
-            <a:r>
-              <a:rPr lang="en-US" dirty="0" smtClean="0"/>
-              <a:t>Time</a:t>
-            </a:r>
-          </a:p>
-          <a:p>
-            <a:pPr marL="171450" indent="-171450">
-              <a:buFontTx/>
-              <a:buChar char="-"/>
-            </a:pPr>
-            <a:r>
-              <a:rPr lang="en-US" dirty="0" smtClean="0"/>
-              <a:t>Location (free form) which can be an address or it has the capability to drop a pin on the map (pin it down option)</a:t>
-            </a:r>
-          </a:p>
-          <a:p>
-            <a:pPr marL="171450" indent="-171450">
-              <a:buFontTx/>
-              <a:buChar char="-"/>
-            </a:pPr>
-            <a:r>
-              <a:rPr lang="en-US" dirty="0" smtClean="0"/>
-              <a:t>Pictures</a:t>
+              <a:t>Here the admin person can sort the</a:t>
             </a:r>
             <a:r>
               <a:rPr lang="en-US" baseline="0" dirty="0" smtClean="0"/>
-              <a:t> can be attached</a:t>
-            </a:r>
-          </a:p>
-          <a:p>
-            <a:pPr marL="171450" indent="-171450">
-              <a:buFontTx/>
-              <a:buChar char="-"/>
-            </a:pPr>
+              <a:t> reports</a:t>
+            </a:r>
+          </a:p>
+          <a:p>
             <a:r>
               <a:rPr lang="en-US" baseline="0" dirty="0" smtClean="0"/>
-              <a:t>GPS location</a:t>
-            </a:r>
-          </a:p>
-          <a:p>
-            <a:pPr marL="171450" indent="-171450">
-              <a:buFontTx/>
-              <a:buChar char="-"/>
-            </a:pPr>
+              <a:t>View the details</a:t>
+            </a:r>
+          </a:p>
+          <a:p>
             <a:r>
               <a:rPr lang="en-US" baseline="0" dirty="0" smtClean="0"/>
-              <a:t>Any other information free field</a:t>
-            </a:r>
-          </a:p>
-          <a:p>
-            <a:pPr marL="171450" indent="-171450">
-              <a:buFontTx/>
-              <a:buChar char="-"/>
-            </a:pPr>
-            <a:endParaRPr lang="en-US" baseline="0" dirty="0" smtClean="0"/>
-          </a:p>
-          <a:p>
-            <a:pPr marL="0" indent="0">
-              <a:buFontTx/>
-              <a:buNone/>
-            </a:pPr>
-            <a:r>
-              <a:rPr lang="en-US" baseline="0" dirty="0" smtClean="0"/>
-              <a:t>This information can be submitted instantly or store and submitted when internet connection is available.</a:t>
+              <a:t>Action the reports (i.e. dismiss, further action)</a:t>
             </a:r>
             <a:endParaRPr lang="en-US" dirty="0"/>
           </a:p>
@@ -928,7 +797,7 @@
           <a:p>
             <a:fld id="{C852EBCA-43E0-8746-ADE2-07FDA1D34571}" type="slidenum">
               <a:rPr lang="en-US" smtClean="0"/>
-              <a:t>18</a:t>
+              <a:t>20</a:t>
             </a:fld>
             <a:endParaRPr lang="en-US"/>
           </a:p>
@@ -937,7 +806,7 @@
     </p:spTree>
     <p:extLst>
       <p:ext uri="{BB962C8B-B14F-4D97-AF65-F5344CB8AC3E}">
-        <p14:creationId xmlns:p14="http://schemas.microsoft.com/office/powerpoint/2010/main" val="1462002074"/>
+        <p14:creationId xmlns:p14="http://schemas.microsoft.com/office/powerpoint/2010/main" val="426158179"/>
       </p:ext>
     </p:extLst>
   </p:cSld>
@@ -991,7 +860,143 @@
           <a:bodyPr/>
           <a:lstStyle/>
           <a:p>
+            <a:r>
+              <a:rPr lang="en-US" dirty="0" smtClean="0"/>
+              <a:t>An admin person will be able to login into the portal and monitor distribution of aid, track the packages, check package content and so</a:t>
+            </a:r>
+            <a:r>
+              <a:rPr lang="en-US" baseline="0" dirty="0" smtClean="0"/>
+              <a:t> on…</a:t>
+            </a:r>
+          </a:p>
+          <a:p>
+            <a:endParaRPr lang="en-US" baseline="0" dirty="0" smtClean="0"/>
+          </a:p>
+          <a:p>
+            <a:r>
+              <a:rPr lang="en-US" baseline="0" dirty="0" smtClean="0"/>
+              <a:t>Here we have </a:t>
+            </a:r>
+            <a:r>
+              <a:rPr lang="en-US" baseline="0" dirty="0" err="1" smtClean="0"/>
+              <a:t>newuronetwork</a:t>
+            </a:r>
+            <a:r>
+              <a:rPr lang="en-US" baseline="0" dirty="0" smtClean="0"/>
+              <a:t> representation of aid tracking. It is split in 4 major points:</a:t>
+            </a:r>
+          </a:p>
+          <a:p>
+            <a:pPr marL="171450" indent="-171450">
+              <a:buFont typeface="Arial"/>
+              <a:buChar char="•"/>
+            </a:pPr>
+            <a:r>
+              <a:rPr lang="en-US" baseline="0" dirty="0" smtClean="0"/>
+              <a:t>Small dots – donators / beneficiaries </a:t>
+            </a:r>
+          </a:p>
+          <a:p>
+            <a:pPr marL="171450" indent="-171450">
+              <a:buFont typeface="Arial"/>
+              <a:buChar char="•"/>
+            </a:pPr>
+            <a:r>
+              <a:rPr lang="en-US" baseline="0" dirty="0" smtClean="0"/>
+              <a:t>Red circles – collection nodes/points</a:t>
+            </a:r>
+          </a:p>
+          <a:p>
+            <a:pPr marL="171450" indent="-171450">
+              <a:buFont typeface="Arial"/>
+              <a:buChar char="•"/>
+            </a:pPr>
+            <a:r>
+              <a:rPr lang="en-US" baseline="0" dirty="0" smtClean="0"/>
+              <a:t>Blue circles – storage centers</a:t>
+            </a:r>
+          </a:p>
+          <a:p>
+            <a:pPr marL="171450" indent="-171450">
+              <a:buFont typeface="Arial"/>
+              <a:buChar char="•"/>
+            </a:pPr>
+            <a:r>
+              <a:rPr lang="en-US" baseline="0" dirty="0" smtClean="0"/>
+              <a:t>Orange circles – distribution nodes</a:t>
+            </a:r>
+          </a:p>
+          <a:p>
+            <a:pPr marL="171450" indent="-171450">
+              <a:buFont typeface="Arial"/>
+              <a:buChar char="•"/>
+            </a:pPr>
+            <a:r>
+              <a:rPr lang="en-US" baseline="0" dirty="0" smtClean="0"/>
+              <a:t>Green lines – distribution line, the package either has arrived or is on route and on schedule</a:t>
+            </a:r>
+          </a:p>
+          <a:p>
+            <a:pPr marL="171450" indent="-171450">
+              <a:buFont typeface="Arial"/>
+              <a:buChar char="•"/>
+            </a:pPr>
+            <a:r>
+              <a:rPr lang="en-US" baseline="0" dirty="0" smtClean="0"/>
+              <a:t>Orange line – the package is on route but is already delayed in arriving at destination</a:t>
+            </a:r>
+          </a:p>
+          <a:p>
+            <a:pPr marL="171450" indent="-171450">
+              <a:buFont typeface="Arial"/>
+              <a:buChar char="•"/>
+            </a:pPr>
+            <a:r>
+              <a:rPr lang="en-US" baseline="0" dirty="0" smtClean="0"/>
+              <a:t>Red lines – none here – the package is significantly delayed, no update known  - check follow up</a:t>
+            </a:r>
+          </a:p>
+          <a:p>
+            <a:pPr marL="171450" indent="-171450">
+              <a:buFont typeface="Arial"/>
+              <a:buChar char="•"/>
+            </a:pPr>
+            <a:r>
+              <a:rPr lang="en-US" baseline="0" dirty="0" smtClean="0"/>
+              <a:t>Grey lines – no package is being tracked trough that route. </a:t>
+            </a:r>
+          </a:p>
+          <a:p>
+            <a:pPr marL="171450" indent="-171450">
+              <a:buFont typeface="Arial"/>
+              <a:buChar char="•"/>
+            </a:pPr>
             <a:endParaRPr lang="en-US" dirty="0" smtClean="0"/>
+          </a:p>
+          <a:p>
+            <a:pPr marL="0" indent="0">
+              <a:buFont typeface="Arial"/>
+              <a:buNone/>
+            </a:pPr>
+            <a:r>
+              <a:rPr lang="en-US" dirty="0" smtClean="0"/>
+              <a:t>Tracking can be done either by GPS</a:t>
+            </a:r>
+            <a:r>
+              <a:rPr lang="en-US" baseline="0" dirty="0" smtClean="0"/>
+              <a:t> or simple by entering in the system the destination. I.e. driver goes from point A to point B, submits in the system that aids is going to B, there is already an estimate for that route that it takes 20 h. After 20 h the lines turns orange, after 30 h turns red.</a:t>
+            </a:r>
+          </a:p>
+          <a:p>
+            <a:pPr marL="0" indent="0">
+              <a:buFont typeface="Arial"/>
+              <a:buNone/>
+            </a:pPr>
+            <a:r>
+              <a:rPr lang="en-US" baseline="0" dirty="0" smtClean="0"/>
+              <a:t>More functionality can be added, like route duration adjustments, if the route from A to B takes 25h every time, then the default duration is updated by the system/admin….</a:t>
+            </a:r>
+            <a:endParaRPr lang="en-US" dirty="0"/>
           </a:p>
         </p:txBody>
       </p:sp>
@@ -1012,7 +1017,7 @@
           <a:p>
             <a:fld id="{C852EBCA-43E0-8746-ADE2-07FDA1D34571}" type="slidenum">
               <a:rPr lang="en-US" smtClean="0"/>
-              <a:t>19</a:t>
+              <a:t>24</a:t>
             </a:fld>
             <a:endParaRPr lang="en-US"/>
           </a:p>
@@ -1021,7 +1026,7 @@
     </p:spTree>
     <p:extLst>
       <p:ext uri="{BB962C8B-B14F-4D97-AF65-F5344CB8AC3E}">
-        <p14:creationId xmlns:p14="http://schemas.microsoft.com/office/powerpoint/2010/main" val="1462002074"/>
+        <p14:creationId xmlns:p14="http://schemas.microsoft.com/office/powerpoint/2010/main" val="3519890085"/>
       </p:ext>
     </p:extLst>
   </p:cSld>
@@ -1077,24 +1082,107 @@
           <a:p>
             <a:r>
               <a:rPr lang="en-US" dirty="0" smtClean="0"/>
-              <a:t>Here the admin person can sort the</a:t>
+              <a:t>Member of public,</a:t>
             </a:r>
             <a:r>
               <a:rPr lang="en-US" baseline="0" dirty="0" smtClean="0"/>
-              <a:t> reports</a:t>
-            </a:r>
+              <a:t> companies or aid workers on the ground have the capability of submitting requests for creating (adding to the network) nodes.</a:t>
+            </a:r>
+          </a:p>
+          <a:p>
+            <a:endParaRPr lang="en-US" baseline="0" dirty="0" smtClean="0"/>
           </a:p>
           <a:p>
             <a:r>
               <a:rPr lang="en-US" baseline="0" dirty="0" smtClean="0"/>
-              <a:t>View the details</a:t>
-            </a:r>
-          </a:p>
-          <a:p>
+              <a:t>For example:</a:t>
+            </a:r>
+          </a:p>
+          <a:p>
+            <a:pPr marL="228600" indent="-228600">
+              <a:buAutoNum type="arabicParenR"/>
+            </a:pPr>
             <a:r>
               <a:rPr lang="en-US" baseline="0" dirty="0" smtClean="0"/>
-              <a:t>Action the reports (i.e. dismiss, further action)</a:t>
-            </a:r>
+              <a:t>A church / school setup an event where they are going to collect aid, they make a request to register a </a:t>
+            </a:r>
+            <a:r>
+              <a:rPr lang="en-US" b="1" baseline="0" dirty="0" smtClean="0"/>
+              <a:t>collection node</a:t>
+            </a:r>
+            <a:r>
+              <a:rPr lang="en-US" baseline="0" dirty="0" smtClean="0"/>
+              <a:t>. This can be approved by admin and as a result monitor progress provide help support. </a:t>
+            </a:r>
+          </a:p>
+          <a:p>
+            <a:pPr marL="228600" indent="-228600">
+              <a:buAutoNum type="arabicParenR"/>
+            </a:pPr>
+            <a:r>
+              <a:rPr lang="en-US" baseline="0" dirty="0" smtClean="0"/>
+              <a:t>A company has a storage facility next to the </a:t>
+            </a:r>
+            <a:r>
+              <a:rPr lang="en-US" baseline="0" dirty="0" err="1" smtClean="0"/>
+              <a:t>blackbushe</a:t>
+            </a:r>
+            <a:r>
+              <a:rPr lang="en-US" baseline="0" dirty="0" smtClean="0"/>
+              <a:t> airport, it is not continuously used, during a disaster, they decide to offer temporary their facilities to the </a:t>
+            </a:r>
+            <a:r>
+              <a:rPr lang="en-US" baseline="0" dirty="0" err="1" smtClean="0"/>
+              <a:t>SaveTheChildrenOrganisation</a:t>
+            </a:r>
+            <a:r>
+              <a:rPr lang="en-US" baseline="0" dirty="0" smtClean="0"/>
+              <a:t> so that it can be used as a storage </a:t>
+            </a:r>
+            <a:r>
+              <a:rPr lang="en-US" baseline="0" dirty="0" err="1" smtClean="0"/>
+              <a:t>faciity</a:t>
+            </a:r>
+            <a:r>
+              <a:rPr lang="en-US" baseline="0" dirty="0" smtClean="0"/>
+              <a:t>, or grouping further distribution. They register a </a:t>
+            </a:r>
+            <a:r>
+              <a:rPr lang="en-US" b="1" baseline="0" dirty="0" smtClean="0"/>
+              <a:t>storage node</a:t>
+            </a:r>
+            <a:r>
+              <a:rPr lang="en-US" baseline="0" dirty="0" smtClean="0"/>
+              <a:t>.</a:t>
+            </a:r>
+          </a:p>
+          <a:p>
+            <a:pPr marL="228600" indent="-228600">
+              <a:buAutoNum type="arabicParenR"/>
+            </a:pPr>
+            <a:r>
+              <a:rPr lang="en-US" baseline="0" dirty="0" smtClean="0"/>
+              <a:t>An aid worker in Calais sees the crisis escalating and request for aid to help the children in need, they register a </a:t>
+            </a:r>
+            <a:r>
+              <a:rPr lang="en-US" b="1" baseline="0" dirty="0" smtClean="0"/>
+              <a:t>distribution node</a:t>
+            </a:r>
+            <a:r>
+              <a:rPr lang="en-US" baseline="0" dirty="0" smtClean="0"/>
+              <a:t>. This is added to the network an helps to monitor track, aid to those nodes.</a:t>
+            </a:r>
+          </a:p>
+          <a:p>
+            <a:pPr marL="228600" indent="-228600">
+              <a:buAutoNum type="arabicParenR"/>
+            </a:pPr>
+            <a:endParaRPr lang="en-US" baseline="0" dirty="0" smtClean="0"/>
+          </a:p>
+          <a:p>
+            <a:pPr marL="228600" indent="-228600">
+              <a:buAutoNum type="arabicParenR"/>
+            </a:pPr>
             <a:endParaRPr lang="en-US" dirty="0"/>
           </a:p>
         </p:txBody>
@@ -1116,7 +1204,7 @@
           <a:p>
             <a:fld id="{C852EBCA-43E0-8746-ADE2-07FDA1D34571}" type="slidenum">
               <a:rPr lang="en-US" smtClean="0"/>
-              <a:t>25</a:t>
+              <a:t>26</a:t>
             </a:fld>
             <a:endParaRPr lang="en-US"/>
           </a:p>
@@ -1125,7 +1213,7 @@
     </p:spTree>
     <p:extLst>
       <p:ext uri="{BB962C8B-B14F-4D97-AF65-F5344CB8AC3E}">
-        <p14:creationId xmlns:p14="http://schemas.microsoft.com/office/powerpoint/2010/main" val="426158179"/>
+        <p14:creationId xmlns:p14="http://schemas.microsoft.com/office/powerpoint/2010/main" val="3519890085"/>
       </p:ext>
     </p:extLst>
   </p:cSld>
@@ -1718,6 +1806,18 @@
           <a:bodyPr/>
           <a:lstStyle/>
           <a:p>
+            <a:r>
+              <a:rPr lang="en-US" dirty="0" smtClean="0"/>
+              <a:t>This is an example of homepage for existing user: Tanya </a:t>
+            </a:r>
+            <a:r>
+              <a:rPr lang="en-US" dirty="0" err="1" smtClean="0"/>
+              <a:t>Mojeck</a:t>
+            </a:r>
+            <a:r>
+              <a:rPr lang="en-US" dirty="0" smtClean="0"/>
+              <a:t> who is a midwife</a:t>
+            </a:r>
             <a:endParaRPr lang="en-US" dirty="0"/>
           </a:p>
         </p:txBody>
@@ -1748,7 +1848,7 @@
     </p:spTree>
     <p:extLst>
       <p:ext uri="{BB962C8B-B14F-4D97-AF65-F5344CB8AC3E}">
-        <p14:creationId xmlns:p14="http://schemas.microsoft.com/office/powerpoint/2010/main" val="1986452651"/>
+        <p14:creationId xmlns:p14="http://schemas.microsoft.com/office/powerpoint/2010/main" val="138351682"/>
       </p:ext>
     </p:extLst>
   </p:cSld>
@@ -1802,18 +1902,104 @@
           <a:bodyPr/>
           <a:lstStyle/>
           <a:p>
-            <a:r>
-              <a:rPr lang="en-US" dirty="0" smtClean="0"/>
-              <a:t>This is an example of homepage for existing user: Tanya </a:t>
-            </a:r>
-            <a:r>
-              <a:rPr lang="en-US" dirty="0" err="1" smtClean="0"/>
-              <a:t>Mojeck</a:t>
-            </a:r>
-            <a:r>
-              <a:rPr lang="en-US" dirty="0" smtClean="0"/>
-              <a:t> who is a midwife</a:t>
-            </a:r>
+            <a:pPr marL="0" lvl="0" indent="0" algn="l">
+              <a:buNone/>
+            </a:pPr>
+            <a:r>
+              <a:rPr lang="en-GB" sz="1200" dirty="0" smtClean="0">
+                <a:solidFill>
+                  <a:srgbClr val="FF0000"/>
+                </a:solidFill>
+              </a:rPr>
+              <a:t>Report a violation questionnaire examples</a:t>
+            </a:r>
+          </a:p>
+          <a:p>
+            <a:pPr lvl="0"/>
+            <a:endParaRPr lang="en-GB" sz="1200" dirty="0" smtClean="0">
+              <a:solidFill>
+                <a:srgbClr val="FF0000"/>
+              </a:solidFill>
+            </a:endParaRPr>
+          </a:p>
+          <a:p>
+            <a:pPr lvl="0"/>
+            <a:r>
+              <a:rPr lang="en-GB" sz="1200" dirty="0" smtClean="0">
+                <a:solidFill>
+                  <a:srgbClr val="FF0000"/>
+                </a:solidFill>
+              </a:rPr>
+              <a:t>Are free samples or feeding equipment being handed out?  </a:t>
+            </a:r>
+          </a:p>
+          <a:p>
+            <a:pPr lvl="0"/>
+            <a:r>
+              <a:rPr lang="en-GB" sz="1200" dirty="0" smtClean="0">
+                <a:solidFill>
+                  <a:srgbClr val="FF0000"/>
+                </a:solidFill>
+              </a:rPr>
+              <a:t>Are company reps receiving bonuses related to sales?</a:t>
+            </a:r>
+          </a:p>
+          <a:p>
+            <a:pPr lvl="0"/>
+            <a:r>
+              <a:rPr lang="en-GB" sz="1200" dirty="0" smtClean="0">
+                <a:solidFill>
+                  <a:srgbClr val="FF0000"/>
+                </a:solidFill>
+              </a:rPr>
+              <a:t>Is the baby formula being advertised?</a:t>
+            </a:r>
+          </a:p>
+          <a:p>
+            <a:pPr lvl="0"/>
+            <a:r>
+              <a:rPr lang="en-GB" sz="1200" dirty="0" smtClean="0">
+                <a:solidFill>
+                  <a:srgbClr val="FF0000"/>
+                </a:solidFill>
+              </a:rPr>
+              <a:t>Is this being recommended as an alternative to breast feeding?</a:t>
+            </a:r>
+          </a:p>
+          <a:p>
+            <a:pPr lvl="0"/>
+            <a:r>
+              <a:rPr lang="en-GB" sz="1200" dirty="0" smtClean="0">
+                <a:solidFill>
+                  <a:srgbClr val="FF0000"/>
+                </a:solidFill>
+              </a:rPr>
+              <a:t>Is breast feeding being discouraged?</a:t>
+            </a:r>
+          </a:p>
+          <a:p>
+            <a:pPr lvl="0"/>
+            <a:r>
+              <a:rPr lang="en-GB" sz="1200" dirty="0" smtClean="0">
+                <a:solidFill>
+                  <a:srgbClr val="FF0000"/>
+                </a:solidFill>
+              </a:rPr>
+              <a:t>Are company reps contacting mothers and families directly?</a:t>
+            </a:r>
+          </a:p>
+          <a:p>
+            <a:pPr lvl="0"/>
+            <a:r>
+              <a:rPr lang="en-GB" sz="1200" dirty="0" smtClean="0">
+                <a:solidFill>
+                  <a:srgbClr val="FF0000"/>
+                </a:solidFill>
+              </a:rPr>
+              <a:t>Have the donations been requested by the government?</a:t>
+            </a:r>
+          </a:p>
+          <a:p>
             <a:endParaRPr lang="en-US" dirty="0"/>
           </a:p>
         </p:txBody>
@@ -1835,7 +2021,7 @@
           <a:p>
             <a:fld id="{C852EBCA-43E0-8746-ADE2-07FDA1D34571}" type="slidenum">
               <a:rPr lang="en-US" smtClean="0"/>
-              <a:t>14</a:t>
+              <a:t>13</a:t>
             </a:fld>
             <a:endParaRPr lang="en-US"/>
           </a:p>
@@ -1844,7 +2030,7 @@
     </p:spTree>
     <p:extLst>
       <p:ext uri="{BB962C8B-B14F-4D97-AF65-F5344CB8AC3E}">
-        <p14:creationId xmlns:p14="http://schemas.microsoft.com/office/powerpoint/2010/main" val="138351682"/>
+        <p14:creationId xmlns:p14="http://schemas.microsoft.com/office/powerpoint/2010/main" val="3848120458"/>
       </p:ext>
     </p:extLst>
   </p:cSld>
@@ -1898,104 +2084,64 @@
           <a:bodyPr/>
           <a:lstStyle/>
           <a:p>
-            <a:pPr marL="0" lvl="0" indent="0" algn="l">
-              <a:buNone/>
+            <a:r>
+              <a:rPr lang="en-US" dirty="0" smtClean="0"/>
+              <a:t>Here the use has the fields for the extra details:</a:t>
+            </a:r>
+          </a:p>
+          <a:p>
+            <a:pPr marL="171450" indent="-171450">
+              <a:buFontTx/>
+              <a:buChar char="-"/>
             </a:pPr>
             <a:r>
-              <a:rPr lang="en-GB" sz="1200" dirty="0" smtClean="0">
-                <a:solidFill>
-                  <a:srgbClr val="FF0000"/>
-                </a:solidFill>
-              </a:rPr>
-              <a:t>Report a violation questionnaire examples</a:t>
-            </a:r>
-          </a:p>
-          <a:p>
-            <a:pPr lvl="0"/>
-            <a:endParaRPr lang="en-GB" sz="1200" dirty="0" smtClean="0">
-              <a:solidFill>
-                <a:srgbClr val="FF0000"/>
-              </a:solidFill>
-            </a:endParaRPr>
-          </a:p>
-          <a:p>
-            <a:pPr lvl="0"/>
-            <a:r>
-              <a:rPr lang="en-GB" sz="1200" dirty="0" smtClean="0">
-                <a:solidFill>
-                  <a:srgbClr val="FF0000"/>
-                </a:solidFill>
-              </a:rPr>
-              <a:t>Are free samples or feeding equipment being handed out?  </a:t>
-            </a:r>
-          </a:p>
-          <a:p>
-            <a:pPr lvl="0"/>
-            <a:r>
-              <a:rPr lang="en-GB" sz="1200" dirty="0" smtClean="0">
-                <a:solidFill>
-                  <a:srgbClr val="FF0000"/>
-                </a:solidFill>
-              </a:rPr>
-              <a:t>Are company reps receiving bonuses related to sales?</a:t>
-            </a:r>
-          </a:p>
-          <a:p>
-            <a:pPr lvl="0"/>
-            <a:r>
-              <a:rPr lang="en-GB" sz="1200" dirty="0" smtClean="0">
-                <a:solidFill>
-                  <a:srgbClr val="FF0000"/>
-                </a:solidFill>
-              </a:rPr>
-              <a:t>Is the baby formula being advertised?</a:t>
-            </a:r>
-          </a:p>
-          <a:p>
-            <a:pPr lvl="0"/>
-            <a:r>
-              <a:rPr lang="en-GB" sz="1200" dirty="0" smtClean="0">
-                <a:solidFill>
-                  <a:srgbClr val="FF0000"/>
-                </a:solidFill>
-              </a:rPr>
-              <a:t>Is this being recommended as an alternative to breast feeding?</a:t>
-            </a:r>
-          </a:p>
-          <a:p>
-            <a:pPr lvl="0"/>
-            <a:r>
-              <a:rPr lang="en-GB" sz="1200" dirty="0" smtClean="0">
-                <a:solidFill>
-                  <a:srgbClr val="FF0000"/>
-                </a:solidFill>
-              </a:rPr>
-              <a:t>Is breast feeding being discouraged?</a:t>
-            </a:r>
-          </a:p>
-          <a:p>
-            <a:pPr lvl="0"/>
-            <a:r>
-              <a:rPr lang="en-GB" sz="1200" dirty="0" smtClean="0">
-                <a:solidFill>
-                  <a:srgbClr val="FF0000"/>
-                </a:solidFill>
-              </a:rPr>
-              <a:t>Are company reps contacting mothers and families directly?</a:t>
-            </a:r>
-          </a:p>
-          <a:p>
-            <a:pPr lvl="0"/>
-            <a:r>
-              <a:rPr lang="en-GB" sz="1200" dirty="0" smtClean="0">
-                <a:solidFill>
-                  <a:srgbClr val="FF0000"/>
-                </a:solidFill>
-              </a:rPr>
-              <a:t>Have the donations been requested by the government?</a:t>
-            </a:r>
-          </a:p>
-          <a:p>
+              <a:rPr lang="en-US" dirty="0" smtClean="0"/>
+              <a:t>Date of the incident</a:t>
+            </a:r>
+          </a:p>
+          <a:p>
+            <a:pPr marL="171450" indent="-171450">
+              <a:buFontTx/>
+              <a:buChar char="-"/>
+            </a:pPr>
+            <a:r>
+              <a:rPr lang="en-US" dirty="0" smtClean="0"/>
+              <a:t>Time</a:t>
+            </a:r>
+          </a:p>
+          <a:p>
+            <a:pPr marL="171450" indent="-171450">
+              <a:buFontTx/>
+              <a:buChar char="-"/>
+            </a:pPr>
+            <a:r>
+              <a:rPr lang="en-US" dirty="0" smtClean="0"/>
+              <a:t>Location (free form) which can be an address or it has the capability to drop a pin on the map (pin it down option)</a:t>
+            </a:r>
+          </a:p>
+          <a:p>
+            <a:pPr marL="171450" indent="-171450">
+              <a:buFontTx/>
+              <a:buChar char="-"/>
+            </a:pPr>
+            <a:r>
+              <a:rPr lang="en-US" dirty="0" smtClean="0"/>
+              <a:t>Pictures</a:t>
+            </a:r>
+            <a:r>
+              <a:rPr lang="en-US" baseline="0" dirty="0" smtClean="0"/>
+              <a:t> can be attached</a:t>
+            </a:r>
+          </a:p>
+          <a:p>
+            <a:pPr marL="171450" indent="-171450">
+              <a:buFontTx/>
+              <a:buChar char="-"/>
+            </a:pPr>
+            <a:r>
+              <a:rPr lang="en-US" baseline="0" dirty="0" smtClean="0"/>
+              <a:t>Any other information free field</a:t>
+            </a:r>
             <a:endParaRPr lang="en-US" dirty="0"/>
           </a:p>
         </p:txBody>
@@ -2017,7 +2163,7 @@
           <a:p>
             <a:fld id="{C852EBCA-43E0-8746-ADE2-07FDA1D34571}" type="slidenum">
               <a:rPr lang="en-US" smtClean="0"/>
-              <a:t>15</a:t>
+              <a:t>14</a:t>
             </a:fld>
             <a:endParaRPr lang="en-US"/>
           </a:p>
@@ -2026,7 +2172,7 @@
     </p:spTree>
     <p:extLst>
       <p:ext uri="{BB962C8B-B14F-4D97-AF65-F5344CB8AC3E}">
-        <p14:creationId xmlns:p14="http://schemas.microsoft.com/office/powerpoint/2010/main" val="3848120458"/>
+        <p14:creationId xmlns:p14="http://schemas.microsoft.com/office/powerpoint/2010/main" val="1462002074"/>
       </p:ext>
     </p:extLst>
   </p:cSld>
@@ -2080,6 +2226,91 @@
           <a:bodyPr/>
           <a:lstStyle/>
           <a:p>
+            <a:r>
+              <a:rPr lang="en-US" dirty="0" smtClean="0"/>
+              <a:t>Here the use has the fields for the extra details:</a:t>
+            </a:r>
+          </a:p>
+          <a:p>
+            <a:pPr marL="171450" indent="-171450">
+              <a:buFontTx/>
+              <a:buChar char="-"/>
+            </a:pPr>
+            <a:r>
+              <a:rPr lang="en-US" dirty="0" smtClean="0"/>
+              <a:t>Date of the incident</a:t>
+            </a:r>
+          </a:p>
+          <a:p>
+            <a:pPr marL="171450" indent="-171450">
+              <a:buFontTx/>
+              <a:buChar char="-"/>
+            </a:pPr>
+            <a:r>
+              <a:rPr lang="en-US" dirty="0" smtClean="0"/>
+              <a:t>Time</a:t>
+            </a:r>
+          </a:p>
+          <a:p>
+            <a:pPr marL="171450" indent="-171450">
+              <a:buFontTx/>
+              <a:buChar char="-"/>
+            </a:pPr>
+            <a:r>
+              <a:rPr lang="en-US" dirty="0" smtClean="0"/>
+              <a:t>Location (free form) which can be an address or it has the capability to drop a pin on the map (pin it down option)</a:t>
+            </a:r>
+          </a:p>
+          <a:p>
+            <a:pPr marL="171450" indent="-171450">
+              <a:buFontTx/>
+              <a:buChar char="-"/>
+            </a:pPr>
+            <a:r>
+              <a:rPr lang="en-US" dirty="0" smtClean="0"/>
+              <a:t>Pictures</a:t>
+            </a:r>
+            <a:r>
+              <a:rPr lang="en-US" baseline="0" dirty="0" smtClean="0"/>
+              <a:t> can be attached</a:t>
+            </a:r>
+          </a:p>
+          <a:p>
+            <a:pPr marL="171450" indent="-171450">
+              <a:buFontTx/>
+              <a:buChar char="-"/>
+            </a:pPr>
+            <a:r>
+              <a:rPr lang="en-US" baseline="0" dirty="0" smtClean="0"/>
+              <a:t>GPS location</a:t>
+            </a:r>
+          </a:p>
+          <a:p>
+            <a:pPr marL="171450" indent="-171450">
+              <a:buFontTx/>
+              <a:buChar char="-"/>
+            </a:pPr>
+            <a:r>
+              <a:rPr lang="en-US" baseline="0" dirty="0" smtClean="0"/>
+              <a:t>Any other information free field</a:t>
+            </a:r>
+          </a:p>
+          <a:p>
+            <a:pPr marL="171450" indent="-171450">
+              <a:buFontTx/>
+              <a:buChar char="-"/>
+            </a:pPr>
+            <a:endParaRPr lang="en-US" baseline="0" dirty="0" smtClean="0"/>
+          </a:p>
+          <a:p>
+            <a:pPr marL="0" indent="0">
+              <a:buFontTx/>
+              <a:buNone/>
+            </a:pPr>
+            <a:r>
+              <a:rPr lang="en-US" baseline="0" dirty="0" smtClean="0"/>
+              <a:t>This information can be submitted instantly or store and submitted when internet connection is available.</a:t>
+            </a:r>
             <a:endParaRPr lang="en-US" dirty="0"/>
           </a:p>
         </p:txBody>
@@ -2101,7 +2332,7 @@
           <a:p>
             <a:fld id="{C852EBCA-43E0-8746-ADE2-07FDA1D34571}" type="slidenum">
               <a:rPr lang="en-US" smtClean="0"/>
-              <a:t>16</a:t>
+              <a:t>15</a:t>
             </a:fld>
             <a:endParaRPr lang="en-US"/>
           </a:p>
@@ -2110,7 +2341,7 @@
     </p:spTree>
     <p:extLst>
       <p:ext uri="{BB962C8B-B14F-4D97-AF65-F5344CB8AC3E}">
-        <p14:creationId xmlns:p14="http://schemas.microsoft.com/office/powerpoint/2010/main" val="1565510871"/>
+        <p14:creationId xmlns:p14="http://schemas.microsoft.com/office/powerpoint/2010/main" val="1462002074"/>
       </p:ext>
     </p:extLst>
   </p:cSld>
@@ -5841,380 +6072,6 @@
 </file>
 
 <file path=ppt/slides/slide12.xml><?xml version="1.0" encoding="utf-8"?>
-<p:sld xmlns:a="http://schemas.openxmlformats.org/drawingml/2006/main" xmlns:r="http://schemas.openxmlformats.org/officeDocument/2006/relationships" xmlns:p="http://schemas.openxmlformats.org/presentationml/2006/main" show="0">
-  <p:cSld>
-    <p:spTree>
-      <p:nvGrpSpPr>
-        <p:cNvPr id="1" name=""/>
-        <p:cNvGrpSpPr/>
-        <p:nvPr/>
-      </p:nvGrpSpPr>
-      <p:grpSpPr>
-        <a:xfrm>
-          <a:off x="0" y="0"/>
-          <a:ext cx="0" cy="0"/>
-          <a:chOff x="0" y="0"/>
-          <a:chExt cx="0" cy="0"/>
-        </a:xfrm>
-      </p:grpSpPr>
-      <p:sp>
-        <p:nvSpPr>
-          <p:cNvPr id="2" name="Title 1"/>
-          <p:cNvSpPr>
-            <a:spLocks noGrp="1"/>
-          </p:cNvSpPr>
-          <p:nvPr>
-            <p:ph type="title"/>
-          </p:nvPr>
-        </p:nvSpPr>
-        <p:spPr/>
-        <p:txBody>
-          <a:bodyPr/>
-          <a:lstStyle/>
-          <a:p>
-            <a:r>
-              <a:rPr lang="en-GB" dirty="0" smtClean="0">
-                <a:solidFill>
-                  <a:srgbClr val="FF0000"/>
-                </a:solidFill>
-              </a:rPr>
-              <a:t>Introduction</a:t>
-            </a:r>
-            <a:endParaRPr lang="en-GB" dirty="0">
-              <a:solidFill>
-                <a:srgbClr val="FF0000"/>
-              </a:solidFill>
-            </a:endParaRPr>
-          </a:p>
-        </p:txBody>
-      </p:sp>
-      <p:sp>
-        <p:nvSpPr>
-          <p:cNvPr id="3" name="Content Placeholder 2"/>
-          <p:cNvSpPr>
-            <a:spLocks noGrp="1"/>
-          </p:cNvSpPr>
-          <p:nvPr>
-            <p:ph idx="1"/>
-          </p:nvPr>
-        </p:nvSpPr>
-        <p:spPr/>
-        <p:txBody>
-          <a:bodyPr>
-            <a:normAutofit/>
-          </a:bodyPr>
-          <a:lstStyle/>
-          <a:p>
-            <a:pPr marL="0" indent="0">
-              <a:buNone/>
-            </a:pPr>
-            <a:r>
-              <a:rPr lang="en-GB" sz="2000" dirty="0" smtClean="0">
-                <a:solidFill>
-                  <a:srgbClr val="FF0000"/>
-                </a:solidFill>
-              </a:rPr>
-              <a:t>Our proposal outlines a portal front end on the save the children website to allow reporting violations.</a:t>
-            </a:r>
-          </a:p>
-          <a:p>
-            <a:pPr marL="0" indent="0" algn="ctr">
-              <a:buNone/>
-            </a:pPr>
-            <a:endParaRPr lang="en-GB" sz="2000" dirty="0" smtClean="0">
-              <a:solidFill>
-                <a:srgbClr val="FF0000"/>
-              </a:solidFill>
-            </a:endParaRPr>
-          </a:p>
-          <a:p>
-            <a:pPr marL="0" indent="0">
-              <a:buNone/>
-            </a:pPr>
-            <a:r>
-              <a:rPr lang="en-GB" sz="2000" dirty="0" smtClean="0">
-                <a:solidFill>
-                  <a:srgbClr val="FF0000"/>
-                </a:solidFill>
-              </a:rPr>
-              <a:t>Our idea is to start with a small piece of functionality that can </a:t>
-            </a:r>
-            <a:r>
-              <a:rPr lang="en-GB" sz="2000" dirty="0" err="1" smtClean="0">
-                <a:solidFill>
-                  <a:srgbClr val="FF0000"/>
-                </a:solidFill>
-              </a:rPr>
-              <a:t>eb</a:t>
-            </a:r>
-            <a:r>
-              <a:rPr lang="en-GB" sz="2000" dirty="0" smtClean="0">
-                <a:solidFill>
-                  <a:srgbClr val="FF0000"/>
-                </a:solidFill>
-              </a:rPr>
-              <a:t> implemented quickly and evaluated by real users.  If it is successful the portal can be extended to:</a:t>
-            </a:r>
-          </a:p>
-          <a:p>
-            <a:pPr marL="0" indent="0" algn="ctr">
-              <a:buNone/>
-            </a:pPr>
-            <a:endParaRPr lang="en-GB" sz="2000" dirty="0" smtClean="0">
-              <a:solidFill>
-                <a:srgbClr val="FF0000"/>
-              </a:solidFill>
-            </a:endParaRPr>
-          </a:p>
-          <a:p>
-            <a:r>
-              <a:rPr lang="en-GB" sz="2000" dirty="0" smtClean="0">
-                <a:solidFill>
-                  <a:srgbClr val="FF0000"/>
-                </a:solidFill>
-              </a:rPr>
-              <a:t>Inventory and distribution of donated stock</a:t>
-            </a:r>
-          </a:p>
-          <a:p>
-            <a:r>
-              <a:rPr lang="en-GB" sz="2000" dirty="0" smtClean="0">
-                <a:solidFill>
-                  <a:srgbClr val="FF0000"/>
-                </a:solidFill>
-              </a:rPr>
-              <a:t>Mapping of available stock </a:t>
-            </a:r>
-          </a:p>
-          <a:p>
-            <a:r>
-              <a:rPr lang="en-GB" sz="2000" dirty="0" smtClean="0">
-                <a:solidFill>
-                  <a:srgbClr val="FF0000"/>
-                </a:solidFill>
-              </a:rPr>
-              <a:t>Setting up a donation centre</a:t>
-            </a:r>
-          </a:p>
-          <a:p>
-            <a:r>
-              <a:rPr lang="en-GB" sz="2000" dirty="0" smtClean="0">
-                <a:solidFill>
-                  <a:srgbClr val="FF0000"/>
-                </a:solidFill>
-              </a:rPr>
-              <a:t>View and download information</a:t>
-            </a:r>
-          </a:p>
-          <a:p>
-            <a:endParaRPr lang="en-GB" sz="2000" dirty="0" smtClean="0">
-              <a:solidFill>
-                <a:srgbClr val="FF0000"/>
-              </a:solidFill>
-            </a:endParaRPr>
-          </a:p>
-          <a:p>
-            <a:endParaRPr lang="en-GB" dirty="0"/>
-          </a:p>
-        </p:txBody>
-      </p:sp>
-    </p:spTree>
-    <p:extLst>
-      <p:ext uri="{BB962C8B-B14F-4D97-AF65-F5344CB8AC3E}">
-        <p14:creationId xmlns:p14="http://schemas.microsoft.com/office/powerpoint/2010/main" val="1391943566"/>
-      </p:ext>
-    </p:extLst>
-  </p:cSld>
-  <p:clrMapOvr>
-    <a:masterClrMapping/>
-  </p:clrMapOvr>
-  <mc:AlternateContent xmlns:mc="http://schemas.openxmlformats.org/markup-compatibility/2006">
-    <mc:Choice xmlns:p14="http://schemas.microsoft.com/office/powerpoint/2010/main" Requires="p14">
-      <p:transition spd="slow" p14:dur="2000"/>
-    </mc:Choice>
-    <mc:Fallback>
-      <p:transition xmlns:p14="http://schemas.microsoft.com/office/powerpoint/2010/main" spd="slow"/>
-    </mc:Fallback>
-  </mc:AlternateContent>
-  <p:timing>
-    <p:tnLst>
-      <p:par>
-        <p:cTn xmlns:p14="http://schemas.microsoft.com/office/powerpoint/2010/main" id="1" dur="indefinite" restart="never" nodeType="tmRoot"/>
-      </p:par>
-    </p:tnLst>
-  </p:timing>
-</p:sld>
-</file>
-
-<file path=ppt/slides/slide13.xml><?xml version="1.0" encoding="utf-8"?>
-<p:sld xmlns:a="http://schemas.openxmlformats.org/drawingml/2006/main" xmlns:r="http://schemas.openxmlformats.org/officeDocument/2006/relationships" xmlns:p="http://schemas.openxmlformats.org/presentationml/2006/main" show="0">
-  <p:cSld>
-    <p:spTree>
-      <p:nvGrpSpPr>
-        <p:cNvPr id="1" name=""/>
-        <p:cNvGrpSpPr/>
-        <p:nvPr/>
-      </p:nvGrpSpPr>
-      <p:grpSpPr>
-        <a:xfrm>
-          <a:off x="0" y="0"/>
-          <a:ext cx="0" cy="0"/>
-          <a:chOff x="0" y="0"/>
-          <a:chExt cx="0" cy="0"/>
-        </a:xfrm>
-      </p:grpSpPr>
-      <p:sp>
-        <p:nvSpPr>
-          <p:cNvPr id="2" name="Title 1"/>
-          <p:cNvSpPr>
-            <a:spLocks noGrp="1"/>
-          </p:cNvSpPr>
-          <p:nvPr>
-            <p:ph type="ctrTitle"/>
-          </p:nvPr>
-        </p:nvSpPr>
-        <p:spPr/>
-        <p:txBody>
-          <a:bodyPr/>
-          <a:lstStyle/>
-          <a:p>
-            <a:endParaRPr lang="en-GB" dirty="0"/>
-          </a:p>
-        </p:txBody>
-      </p:sp>
-      <p:sp>
-        <p:nvSpPr>
-          <p:cNvPr id="3" name="Subtitle 2"/>
-          <p:cNvSpPr>
-            <a:spLocks noGrp="1"/>
-          </p:cNvSpPr>
-          <p:nvPr>
-            <p:ph type="subTitle" idx="1"/>
-          </p:nvPr>
-        </p:nvSpPr>
-        <p:spPr/>
-        <p:txBody>
-          <a:bodyPr/>
-          <a:lstStyle/>
-          <a:p>
-            <a:endParaRPr lang="en-GB"/>
-          </a:p>
-        </p:txBody>
-      </p:sp>
-      <p:pic>
-        <p:nvPicPr>
-          <p:cNvPr id="1029" name="Picture 5"/>
-          <p:cNvPicPr>
-            <a:picLocks noChangeAspect="1" noChangeArrowheads="1"/>
-          </p:cNvPicPr>
-          <p:nvPr/>
-        </p:nvPicPr>
-        <p:blipFill>
-          <a:blip r:embed="rId2">
-            <a:extLst>
-              <a:ext uri="{28A0092B-C50C-407E-A947-70E740481C1C}">
-                <a14:useLocalDpi xmlns:a14="http://schemas.microsoft.com/office/drawing/2010/main" val="0"/>
-              </a:ext>
-            </a:extLst>
-          </a:blip>
-          <a:srcRect/>
-          <a:stretch>
-            <a:fillRect/>
-          </a:stretch>
-        </p:blipFill>
-        <p:spPr bwMode="auto">
-          <a:xfrm>
-            <a:off x="-180528" y="0"/>
-            <a:ext cx="9451340" cy="6858000"/>
-          </a:xfrm>
-          <a:prstGeom prst="rect">
-            <a:avLst/>
-          </a:prstGeom>
-          <a:solidFill>
-            <a:srgbClr val="FF0000"/>
-          </a:solidFill>
-          <a:ln>
-            <a:noFill/>
-          </a:ln>
-        </p:spPr>
-      </p:pic>
-      <p:sp>
-        <p:nvSpPr>
-          <p:cNvPr id="4" name="Rectangle 3"/>
-          <p:cNvSpPr/>
-          <p:nvPr/>
-        </p:nvSpPr>
-        <p:spPr>
-          <a:xfrm>
-            <a:off x="4716016" y="2197621"/>
-            <a:ext cx="792088" cy="216024"/>
-          </a:xfrm>
-          <a:prstGeom prst="rect">
-            <a:avLst/>
-          </a:prstGeom>
-        </p:spPr>
-        <p:style>
-          <a:lnRef idx="2">
-            <a:schemeClr val="accent1">
-              <a:shade val="50000"/>
-            </a:schemeClr>
-          </a:lnRef>
-          <a:fillRef idx="1">
-            <a:schemeClr val="accent1"/>
-          </a:fillRef>
-          <a:effectRef idx="0">
-            <a:schemeClr val="accent1"/>
-          </a:effectRef>
-          <a:fontRef idx="minor">
-            <a:schemeClr val="lt1"/>
-          </a:fontRef>
-        </p:style>
-        <p:txBody>
-          <a:bodyPr rtlCol="0" anchor="ctr"/>
-          <a:lstStyle/>
-          <a:p>
-            <a:pPr algn="ctr"/>
-            <a:r>
-              <a:rPr lang="en-GB" sz="1100" dirty="0" smtClean="0">
-                <a:latin typeface="Georgia"/>
-              </a:rPr>
-              <a:t>STC Portal</a:t>
-            </a:r>
-            <a:endParaRPr lang="en-GB" dirty="0">
-              <a:latin typeface="Georgia"/>
-            </a:endParaRPr>
-          </a:p>
-        </p:txBody>
-      </p:sp>
-    </p:spTree>
-    <p:extLst>
-      <p:ext uri="{BB962C8B-B14F-4D97-AF65-F5344CB8AC3E}">
-        <p14:creationId xmlns:p14="http://schemas.microsoft.com/office/powerpoint/2010/main" val="3187080682"/>
-      </p:ext>
-    </p:extLst>
-  </p:cSld>
-  <p:clrMapOvr>
-    <a:masterClrMapping/>
-  </p:clrMapOvr>
-  <mc:AlternateContent xmlns:mc="http://schemas.openxmlformats.org/markup-compatibility/2006">
-    <mc:Choice xmlns:p14="http://schemas.microsoft.com/office/powerpoint/2010/main" Requires="p14">
-      <p:transition spd="slow" p14:dur="2000"/>
-    </mc:Choice>
-    <mc:Fallback>
-      <p:transition xmlns:p14="http://schemas.microsoft.com/office/powerpoint/2010/main" spd="slow"/>
-    </mc:Fallback>
-  </mc:AlternateContent>
-  <p:timing>
-    <p:tnLst>
-      <p:par>
-        <p:cTn xmlns:p14="http://schemas.microsoft.com/office/powerpoint/2010/main" id="1" dur="indefinite" restart="never" nodeType="tmRoot"/>
-      </p:par>
-    </p:tnLst>
-  </p:timing>
-</p:sld>
-</file>
-
-<file path=ppt/slides/slide14.xml><?xml version="1.0" encoding="utf-8"?>
 <p:sld xmlns:a="http://schemas.openxmlformats.org/drawingml/2006/main" xmlns:r="http://schemas.openxmlformats.org/officeDocument/2006/relationships" xmlns:p="http://schemas.openxmlformats.org/presentationml/2006/main">
   <p:cSld>
     <p:spTree>
@@ -6299,7 +6156,7 @@
 </p:sld>
 </file>
 
-<file path=ppt/slides/slide15.xml><?xml version="1.0" encoding="utf-8"?>
+<file path=ppt/slides/slide13.xml><?xml version="1.0" encoding="utf-8"?>
 <p:sld xmlns:a="http://schemas.openxmlformats.org/drawingml/2006/main" xmlns:r="http://schemas.openxmlformats.org/officeDocument/2006/relationships" xmlns:p="http://schemas.openxmlformats.org/presentationml/2006/main">
   <p:cSld>
     <p:spTree>
@@ -6391,242 +6248,7 @@
 </p:sld>
 </file>
 
-<file path=ppt/slides/slide16.xml><?xml version="1.0" encoding="utf-8"?>
-<p:sld xmlns:a="http://schemas.openxmlformats.org/drawingml/2006/main" xmlns:r="http://schemas.openxmlformats.org/officeDocument/2006/relationships" xmlns:p="http://schemas.openxmlformats.org/presentationml/2006/main" show="0">
-  <p:cSld>
-    <p:spTree>
-      <p:nvGrpSpPr>
-        <p:cNvPr id="1" name=""/>
-        <p:cNvGrpSpPr/>
-        <p:nvPr/>
-      </p:nvGrpSpPr>
-      <p:grpSpPr>
-        <a:xfrm>
-          <a:off x="0" y="0"/>
-          <a:ext cx="0" cy="0"/>
-          <a:chOff x="0" y="0"/>
-          <a:chExt cx="0" cy="0"/>
-        </a:xfrm>
-      </p:grpSpPr>
-      <p:sp>
-        <p:nvSpPr>
-          <p:cNvPr id="2" name="Title 1"/>
-          <p:cNvSpPr>
-            <a:spLocks noGrp="1"/>
-          </p:cNvSpPr>
-          <p:nvPr>
-            <p:ph type="title"/>
-          </p:nvPr>
-        </p:nvSpPr>
-        <p:spPr/>
-        <p:txBody>
-          <a:bodyPr>
-            <a:normAutofit fontScale="90000"/>
-          </a:bodyPr>
-          <a:lstStyle/>
-          <a:p>
-            <a:r>
-              <a:rPr lang="en-GB" dirty="0">
-                <a:solidFill>
-                  <a:srgbClr val="FF0000"/>
-                </a:solidFill>
-              </a:rPr>
-              <a:t>Save the Children Portal Page</a:t>
-            </a:r>
-            <a:endParaRPr lang="en-GB" dirty="0"/>
-          </a:p>
-        </p:txBody>
-      </p:sp>
-      <p:sp>
-        <p:nvSpPr>
-          <p:cNvPr id="3" name="Content Placeholder 2"/>
-          <p:cNvSpPr>
-            <a:spLocks noGrp="1"/>
-          </p:cNvSpPr>
-          <p:nvPr>
-            <p:ph idx="1"/>
-          </p:nvPr>
-        </p:nvSpPr>
-        <p:spPr/>
-        <p:txBody>
-          <a:bodyPr>
-            <a:normAutofit lnSpcReduction="10000"/>
-          </a:bodyPr>
-          <a:lstStyle/>
-          <a:p>
-            <a:pPr marL="0" lvl="0" indent="0" algn="ctr">
-              <a:buNone/>
-            </a:pPr>
-            <a:r>
-              <a:rPr lang="en-GB" sz="2000" dirty="0" smtClean="0">
-                <a:solidFill>
-                  <a:srgbClr val="FF0000"/>
-                </a:solidFill>
-              </a:rPr>
-              <a:t>Report a violation questionnaire</a:t>
-            </a:r>
-          </a:p>
-          <a:p>
-            <a:pPr lvl="0"/>
-            <a:endParaRPr lang="en-GB" sz="2000" dirty="0" smtClean="0">
-              <a:solidFill>
-                <a:srgbClr val="FF0000"/>
-              </a:solidFill>
-            </a:endParaRPr>
-          </a:p>
-          <a:p>
-            <a:pPr lvl="0"/>
-            <a:r>
-              <a:rPr lang="en-GB" sz="2000" dirty="0" smtClean="0">
-                <a:solidFill>
-                  <a:srgbClr val="FF0000"/>
-                </a:solidFill>
-              </a:rPr>
-              <a:t>Are </a:t>
-            </a:r>
-            <a:r>
-              <a:rPr lang="en-GB" sz="2000" dirty="0">
-                <a:solidFill>
-                  <a:srgbClr val="FF0000"/>
-                </a:solidFill>
-              </a:rPr>
-              <a:t>free samples or feeding equipment being handed out?  </a:t>
-            </a:r>
-          </a:p>
-          <a:p>
-            <a:pPr lvl="0"/>
-            <a:r>
-              <a:rPr lang="en-GB" sz="2000" dirty="0">
-                <a:solidFill>
-                  <a:srgbClr val="FF0000"/>
-                </a:solidFill>
-              </a:rPr>
-              <a:t>Are company reps receiving bonuses related to sales?</a:t>
-            </a:r>
-          </a:p>
-          <a:p>
-            <a:pPr lvl="0"/>
-            <a:r>
-              <a:rPr lang="en-GB" sz="2000" dirty="0">
-                <a:solidFill>
-                  <a:srgbClr val="FF0000"/>
-                </a:solidFill>
-              </a:rPr>
-              <a:t>Is the baby formula being advertised?</a:t>
-            </a:r>
-          </a:p>
-          <a:p>
-            <a:pPr lvl="0"/>
-            <a:r>
-              <a:rPr lang="en-GB" sz="2000" dirty="0">
-                <a:solidFill>
-                  <a:srgbClr val="FF0000"/>
-                </a:solidFill>
-              </a:rPr>
-              <a:t>Is this being recommended as an alternative to breast feeding?</a:t>
-            </a:r>
-          </a:p>
-          <a:p>
-            <a:pPr lvl="0"/>
-            <a:r>
-              <a:rPr lang="en-GB" sz="2000" dirty="0">
-                <a:solidFill>
-                  <a:srgbClr val="FF0000"/>
-                </a:solidFill>
-              </a:rPr>
-              <a:t>Is breast feeding being discouraged?</a:t>
-            </a:r>
-          </a:p>
-          <a:p>
-            <a:pPr lvl="0"/>
-            <a:r>
-              <a:rPr lang="en-GB" sz="2000" dirty="0">
-                <a:solidFill>
-                  <a:srgbClr val="FF0000"/>
-                </a:solidFill>
-              </a:rPr>
-              <a:t>Are company reps contacting mothers and families directly?</a:t>
-            </a:r>
-          </a:p>
-          <a:p>
-            <a:pPr lvl="0"/>
-            <a:r>
-              <a:rPr lang="en-GB" sz="2000" dirty="0">
-                <a:solidFill>
-                  <a:srgbClr val="FF0000"/>
-                </a:solidFill>
-              </a:rPr>
-              <a:t>Have the donations been requested by the government</a:t>
-            </a:r>
-            <a:r>
-              <a:rPr lang="en-GB" sz="2000" dirty="0" smtClean="0">
-                <a:solidFill>
-                  <a:srgbClr val="FF0000"/>
-                </a:solidFill>
-              </a:rPr>
-              <a:t>?</a:t>
-            </a:r>
-          </a:p>
-          <a:p>
-            <a:pPr lvl="0"/>
-            <a:endParaRPr lang="en-GB" sz="2000" dirty="0">
-              <a:solidFill>
-                <a:srgbClr val="FF0000"/>
-              </a:solidFill>
-            </a:endParaRPr>
-          </a:p>
-          <a:p>
-            <a:pPr marL="0" lvl="0" indent="0" algn="ctr">
-              <a:buNone/>
-            </a:pPr>
-            <a:r>
-              <a:rPr lang="en-GB" sz="2000" dirty="0" smtClean="0">
-                <a:solidFill>
-                  <a:srgbClr val="FF0000"/>
-                </a:solidFill>
-              </a:rPr>
-              <a:t>(see an example showing [YES] answered question)</a:t>
-            </a:r>
-            <a:endParaRPr lang="en-GB" sz="2000" dirty="0">
-              <a:solidFill>
-                <a:srgbClr val="FF0000"/>
-              </a:solidFill>
-            </a:endParaRPr>
-          </a:p>
-          <a:p>
-            <a:endParaRPr lang="en-GB" dirty="0"/>
-          </a:p>
-        </p:txBody>
-      </p:sp>
-    </p:spTree>
-    <p:extLst>
-      <p:ext uri="{BB962C8B-B14F-4D97-AF65-F5344CB8AC3E}">
-        <p14:creationId xmlns:p14="http://schemas.microsoft.com/office/powerpoint/2010/main" val="281107325"/>
-      </p:ext>
-    </p:extLst>
-  </p:cSld>
-  <p:clrMapOvr>
-    <a:masterClrMapping/>
-  </p:clrMapOvr>
-  <mc:AlternateContent xmlns:mc="http://schemas.openxmlformats.org/markup-compatibility/2006">
-    <mc:Choice xmlns:p14="http://schemas.microsoft.com/office/powerpoint/2010/main" Requires="p14">
-      <p:transition spd="slow" p14:dur="2000"/>
-    </mc:Choice>
-    <mc:Fallback>
-      <p:transition xmlns:p14="http://schemas.microsoft.com/office/powerpoint/2010/main" spd="slow"/>
-    </mc:Fallback>
-  </mc:AlternateContent>
-  <p:timing>
-    <p:tnLst>
-      <p:par>
-        <p:cTn xmlns:p14="http://schemas.microsoft.com/office/powerpoint/2010/main" id="1" dur="indefinite" restart="never" nodeType="tmRoot"/>
-      </p:par>
-    </p:tnLst>
-  </p:timing>
-</p:sld>
-</file>
-
-<file path=ppt/slides/slide17.xml><?xml version="1.0" encoding="utf-8"?>
+<file path=ppt/slides/slide14.xml><?xml version="1.0" encoding="utf-8"?>
 <p:sld xmlns:a="http://schemas.openxmlformats.org/drawingml/2006/main" xmlns:r="http://schemas.openxmlformats.org/officeDocument/2006/relationships" xmlns:p="http://schemas.openxmlformats.org/presentationml/2006/main">
   <p:cSld>
     <p:spTree>
@@ -6713,7 +6335,7 @@
 </p:sld>
 </file>
 
-<file path=ppt/slides/slide18.xml><?xml version="1.0" encoding="utf-8"?>
+<file path=ppt/slides/slide15.xml><?xml version="1.0" encoding="utf-8"?>
 <p:sld xmlns:a="http://schemas.openxmlformats.org/drawingml/2006/main" xmlns:r="http://schemas.openxmlformats.org/officeDocument/2006/relationships" xmlns:p="http://schemas.openxmlformats.org/presentationml/2006/main">
   <p:cSld>
     <p:spTree>
@@ -6800,7 +6422,7 @@
 </p:sld>
 </file>
 
-<file path=ppt/slides/slide19.xml><?xml version="1.0" encoding="utf-8"?>
+<file path=ppt/slides/slide16.xml><?xml version="1.0" encoding="utf-8"?>
 <p:sld xmlns:a="http://schemas.openxmlformats.org/drawingml/2006/main" xmlns:r="http://schemas.openxmlformats.org/officeDocument/2006/relationships" xmlns:p="http://schemas.openxmlformats.org/presentationml/2006/main">
   <p:cSld>
     <p:spTree>
@@ -6923,6 +6545,319 @@
 </p:sld>
 </file>
 
+<file path=ppt/slides/slide17.xml><?xml version="1.0" encoding="utf-8"?>
+<p:sld xmlns:a="http://schemas.openxmlformats.org/drawingml/2006/main" xmlns:r="http://schemas.openxmlformats.org/officeDocument/2006/relationships" xmlns:p="http://schemas.openxmlformats.org/presentationml/2006/main">
+  <p:cSld>
+    <p:spTree>
+      <p:nvGrpSpPr>
+        <p:cNvPr id="1" name=""/>
+        <p:cNvGrpSpPr/>
+        <p:nvPr/>
+      </p:nvGrpSpPr>
+      <p:grpSpPr>
+        <a:xfrm>
+          <a:off x="0" y="0"/>
+          <a:ext cx="0" cy="0"/>
+          <a:chOff x="0" y="0"/>
+          <a:chExt cx="0" cy="0"/>
+        </a:xfrm>
+      </p:grpSpPr>
+      <p:sp>
+        <p:nvSpPr>
+          <p:cNvPr id="2" name="Title 1"/>
+          <p:cNvSpPr>
+            <a:spLocks noGrp="1"/>
+          </p:cNvSpPr>
+          <p:nvPr>
+            <p:ph type="title"/>
+          </p:nvPr>
+        </p:nvSpPr>
+        <p:spPr/>
+        <p:txBody>
+          <a:bodyPr/>
+          <a:lstStyle/>
+          <a:p>
+            <a:r>
+              <a:rPr lang="en-US" dirty="0" smtClean="0"/>
+              <a:t>Reports administration</a:t>
+            </a:r>
+            <a:endParaRPr lang="en-US" dirty="0"/>
+          </a:p>
+        </p:txBody>
+      </p:sp>
+      <p:sp>
+        <p:nvSpPr>
+          <p:cNvPr id="3" name="Content Placeholder 2"/>
+          <p:cNvSpPr>
+            <a:spLocks noGrp="1"/>
+          </p:cNvSpPr>
+          <p:nvPr>
+            <p:ph idx="1"/>
+          </p:nvPr>
+        </p:nvSpPr>
+        <p:spPr/>
+        <p:txBody>
+          <a:bodyPr/>
+          <a:lstStyle/>
+          <a:p>
+            <a:pPr marL="0" indent="0">
+              <a:buNone/>
+            </a:pPr>
+            <a:r>
+              <a:rPr lang="en-US" dirty="0" smtClean="0"/>
+              <a:t>The reporting capability will generate a lot of data. This will have to be processed to filter and highlight the most important of the reports.</a:t>
+            </a:r>
+          </a:p>
+          <a:p>
+            <a:pPr marL="0" indent="0">
+              <a:buNone/>
+            </a:pPr>
+            <a:r>
+              <a:rPr lang="en-US" dirty="0" smtClean="0"/>
+              <a:t>For this we propose two stages review:</a:t>
+            </a:r>
+          </a:p>
+          <a:p>
+            <a:r>
+              <a:rPr lang="en-US" dirty="0" smtClean="0"/>
+              <a:t>System scoring</a:t>
+            </a:r>
+          </a:p>
+          <a:p>
+            <a:r>
+              <a:rPr lang="en-US" dirty="0" smtClean="0"/>
+              <a:t>Manual review</a:t>
+            </a:r>
+            <a:endParaRPr lang="en-US" dirty="0"/>
+          </a:p>
+        </p:txBody>
+      </p:sp>
+    </p:spTree>
+    <p:extLst>
+      <p:ext uri="{BB962C8B-B14F-4D97-AF65-F5344CB8AC3E}">
+        <p14:creationId xmlns:p14="http://schemas.microsoft.com/office/powerpoint/2010/main" val="2364891170"/>
+      </p:ext>
+    </p:extLst>
+  </p:cSld>
+  <p:clrMapOvr>
+    <a:masterClrMapping/>
+  </p:clrMapOvr>
+</p:sld>
+</file>
+
+<file path=ppt/slides/slide18.xml><?xml version="1.0" encoding="utf-8"?>
+<p:sld xmlns:a="http://schemas.openxmlformats.org/drawingml/2006/main" xmlns:r="http://schemas.openxmlformats.org/officeDocument/2006/relationships" xmlns:p="http://schemas.openxmlformats.org/presentationml/2006/main">
+  <p:cSld>
+    <p:spTree>
+      <p:nvGrpSpPr>
+        <p:cNvPr id="1" name=""/>
+        <p:cNvGrpSpPr/>
+        <p:nvPr/>
+      </p:nvGrpSpPr>
+      <p:grpSpPr>
+        <a:xfrm>
+          <a:off x="0" y="0"/>
+          <a:ext cx="0" cy="0"/>
+          <a:chOff x="0" y="0"/>
+          <a:chExt cx="0" cy="0"/>
+        </a:xfrm>
+      </p:grpSpPr>
+      <p:sp>
+        <p:nvSpPr>
+          <p:cNvPr id="2" name="Title 1"/>
+          <p:cNvSpPr>
+            <a:spLocks noGrp="1"/>
+          </p:cNvSpPr>
+          <p:nvPr>
+            <p:ph type="title"/>
+          </p:nvPr>
+        </p:nvSpPr>
+        <p:spPr/>
+        <p:txBody>
+          <a:bodyPr>
+            <a:normAutofit/>
+          </a:bodyPr>
+          <a:lstStyle/>
+          <a:p>
+            <a:r>
+              <a:rPr lang="en-US" sz="4000" dirty="0" smtClean="0"/>
+              <a:t>Reports administration – system scoring</a:t>
+            </a:r>
+            <a:endParaRPr lang="en-US" sz="4000" dirty="0"/>
+          </a:p>
+        </p:txBody>
+      </p:sp>
+      <p:sp>
+        <p:nvSpPr>
+          <p:cNvPr id="3" name="Content Placeholder 2"/>
+          <p:cNvSpPr>
+            <a:spLocks noGrp="1"/>
+          </p:cNvSpPr>
+          <p:nvPr>
+            <p:ph idx="1"/>
+          </p:nvPr>
+        </p:nvSpPr>
+        <p:spPr/>
+        <p:txBody>
+          <a:bodyPr/>
+          <a:lstStyle/>
+          <a:p>
+            <a:pPr marL="0" indent="0">
+              <a:buNone/>
+            </a:pPr>
+            <a:r>
+              <a:rPr lang="en-US" dirty="0" smtClean="0"/>
+              <a:t>The system will be able to assign a credibility score to a report based on the number of factors:</a:t>
+            </a:r>
+          </a:p>
+          <a:p>
+            <a:r>
+              <a:rPr lang="en-US" dirty="0" smtClean="0"/>
+              <a:t>Reporter’s previous activity</a:t>
+            </a:r>
+          </a:p>
+          <a:p>
+            <a:r>
+              <a:rPr lang="en-US" dirty="0" smtClean="0"/>
+              <a:t>New or existing (with history) reporter</a:t>
+            </a:r>
+          </a:p>
+          <a:p>
+            <a:r>
+              <a:rPr lang="en-US" dirty="0" smtClean="0"/>
+              <a:t>Reporter’s occupation</a:t>
+            </a:r>
+          </a:p>
+          <a:p>
+            <a:r>
+              <a:rPr lang="en-US" dirty="0" smtClean="0"/>
+              <a:t>Hard details (pictures, </a:t>
+            </a:r>
+            <a:r>
+              <a:rPr lang="en-US" dirty="0" err="1" smtClean="0"/>
+              <a:t>gps</a:t>
+            </a:r>
+            <a:r>
+              <a:rPr lang="en-US" dirty="0" smtClean="0"/>
+              <a:t> coordinates)</a:t>
+            </a:r>
+          </a:p>
+          <a:p>
+            <a:r>
+              <a:rPr lang="en-US" dirty="0" smtClean="0"/>
+              <a:t>…any other</a:t>
+            </a:r>
+          </a:p>
+          <a:p>
+            <a:pPr marL="0" indent="0">
+              <a:buNone/>
+            </a:pPr>
+            <a:r>
+              <a:rPr lang="en-US" dirty="0" smtClean="0"/>
+              <a:t>The reports will be listed in an admin console with this score attached.</a:t>
+            </a:r>
+          </a:p>
+          <a:p>
+            <a:endParaRPr lang="en-US" dirty="0"/>
+          </a:p>
+        </p:txBody>
+      </p:sp>
+    </p:spTree>
+    <p:extLst>
+      <p:ext uri="{BB962C8B-B14F-4D97-AF65-F5344CB8AC3E}">
+        <p14:creationId xmlns:p14="http://schemas.microsoft.com/office/powerpoint/2010/main" val="200930542"/>
+      </p:ext>
+    </p:extLst>
+  </p:cSld>
+  <p:clrMapOvr>
+    <a:masterClrMapping/>
+  </p:clrMapOvr>
+</p:sld>
+</file>
+
+<file path=ppt/slides/slide19.xml><?xml version="1.0" encoding="utf-8"?>
+<p:sld xmlns:a="http://schemas.openxmlformats.org/drawingml/2006/main" xmlns:r="http://schemas.openxmlformats.org/officeDocument/2006/relationships" xmlns:p="http://schemas.openxmlformats.org/presentationml/2006/main">
+  <p:cSld>
+    <p:spTree>
+      <p:nvGrpSpPr>
+        <p:cNvPr id="1" name=""/>
+        <p:cNvGrpSpPr/>
+        <p:nvPr/>
+      </p:nvGrpSpPr>
+      <p:grpSpPr>
+        <a:xfrm>
+          <a:off x="0" y="0"/>
+          <a:ext cx="0" cy="0"/>
+          <a:chOff x="0" y="0"/>
+          <a:chExt cx="0" cy="0"/>
+        </a:xfrm>
+      </p:grpSpPr>
+      <p:sp>
+        <p:nvSpPr>
+          <p:cNvPr id="2" name="Title 1"/>
+          <p:cNvSpPr>
+            <a:spLocks noGrp="1"/>
+          </p:cNvSpPr>
+          <p:nvPr>
+            <p:ph type="title"/>
+          </p:nvPr>
+        </p:nvSpPr>
+        <p:spPr/>
+        <p:txBody>
+          <a:bodyPr>
+            <a:normAutofit/>
+          </a:bodyPr>
+          <a:lstStyle/>
+          <a:p>
+            <a:r>
+              <a:rPr lang="en-US" sz="4000" dirty="0" smtClean="0"/>
+              <a:t>Reports administration – manual review</a:t>
+            </a:r>
+            <a:endParaRPr lang="en-US" sz="4000" dirty="0"/>
+          </a:p>
+        </p:txBody>
+      </p:sp>
+      <p:sp>
+        <p:nvSpPr>
+          <p:cNvPr id="3" name="Content Placeholder 2"/>
+          <p:cNvSpPr>
+            <a:spLocks noGrp="1"/>
+          </p:cNvSpPr>
+          <p:nvPr>
+            <p:ph idx="1"/>
+          </p:nvPr>
+        </p:nvSpPr>
+        <p:spPr/>
+        <p:txBody>
+          <a:bodyPr/>
+          <a:lstStyle/>
+          <a:p>
+            <a:pPr marL="0" indent="0">
+              <a:buNone/>
+            </a:pPr>
+            <a:r>
+              <a:rPr lang="en-US" dirty="0" smtClean="0"/>
+              <a:t>An administrator or someone entitled to review the reports will be able to login into the STC Portal and review and action the reports.</a:t>
+            </a:r>
+          </a:p>
+          <a:p>
+            <a:endParaRPr lang="en-US" dirty="0"/>
+          </a:p>
+        </p:txBody>
+      </p:sp>
+    </p:spTree>
+    <p:extLst>
+      <p:ext uri="{BB962C8B-B14F-4D97-AF65-F5344CB8AC3E}">
+        <p14:creationId xmlns:p14="http://schemas.microsoft.com/office/powerpoint/2010/main" val="980752186"/>
+      </p:ext>
+    </p:extLst>
+  </p:cSld>
+  <p:clrMapOvr>
+    <a:masterClrMapping/>
+  </p:clrMapOvr>
+</p:sld>
+</file>
+
 <file path=ppt/slides/slide2.xml><?xml version="1.0" encoding="utf-8"?>
 <p:sld xmlns:a="http://schemas.openxmlformats.org/drawingml/2006/main" xmlns:r="http://schemas.openxmlformats.org/officeDocument/2006/relationships" xmlns:p="http://schemas.openxmlformats.org/presentationml/2006/main">
   <p:cSld>
@@ -7048,7 +6983,7 @@
 </file>
 
 <file path=ppt/slides/slide20.xml><?xml version="1.0" encoding="utf-8"?>
-<p:sld xmlns:a="http://schemas.openxmlformats.org/drawingml/2006/main" xmlns:r="http://schemas.openxmlformats.org/officeDocument/2006/relationships" xmlns:p="http://schemas.openxmlformats.org/presentationml/2006/main" show="0">
+<p:sld xmlns:a="http://schemas.openxmlformats.org/drawingml/2006/main" xmlns:r="http://schemas.openxmlformats.org/officeDocument/2006/relationships" xmlns:p="http://schemas.openxmlformats.org/presentationml/2006/main">
   <p:cSld>
     <p:spTree>
       <p:nvGrpSpPr>
@@ -7074,109 +7009,74 @@
             <p:ph type="title"/>
           </p:nvPr>
         </p:nvSpPr>
-        <p:spPr/>
+        <p:spPr>
+          <a:xfrm>
+            <a:off x="762000" y="5164666"/>
+            <a:ext cx="6781800" cy="1007533"/>
+          </a:xfrm>
+        </p:spPr>
         <p:txBody>
           <a:bodyPr>
-            <a:normAutofit fontScale="90000"/>
+            <a:noAutofit/>
           </a:bodyPr>
           <a:lstStyle/>
           <a:p>
             <a:r>
-              <a:rPr lang="en-GB" dirty="0" smtClean="0">
-                <a:solidFill>
-                  <a:srgbClr val="FF0000"/>
-                </a:solidFill>
-              </a:rPr>
-              <a:t>Flow chart on how to report a violation</a:t>
-            </a:r>
-            <a:endParaRPr lang="en-GB" dirty="0"/>
+              <a:rPr lang="en-US" sz="3200" dirty="0"/>
+              <a:t>Reports administration – </a:t>
+            </a:r>
+            <a:r>
+              <a:rPr lang="en-GB" sz="3200" dirty="0"/>
+              <a:t>view suspected </a:t>
+            </a:r>
+            <a:r>
+              <a:rPr lang="en-GB" sz="3200" dirty="0" smtClean="0"/>
+              <a:t>violations reports</a:t>
+            </a:r>
+            <a:endParaRPr lang="en-US" sz="3200" dirty="0"/>
           </a:p>
         </p:txBody>
       </p:sp>
       <p:pic>
         <p:nvPicPr>
-          <p:cNvPr id="1027" name="Picture 3"/>
+          <p:cNvPr id="6" name="Content Placeholder 5" descr="ReportList.png"/>
           <p:cNvPicPr>
-            <a:picLocks noChangeAspect="1" noChangeArrowheads="1"/>
+            <a:picLocks noGrp="1" noChangeAspect="1"/>
           </p:cNvPicPr>
-          <p:nvPr/>
+          <p:nvPr>
+            <p:ph idx="1"/>
+          </p:nvPr>
         </p:nvPicPr>
         <p:blipFill>
-          <a:blip r:embed="rId2">
+          <a:blip r:embed="rId3">
             <a:extLst>
               <a:ext uri="{28A0092B-C50C-407E-A947-70E740481C1C}">
                 <a14:useLocalDpi xmlns:a14="http://schemas.microsoft.com/office/drawing/2010/main" val="0"/>
               </a:ext>
             </a:extLst>
           </a:blip>
-          <a:srcRect/>
+          <a:srcRect l="-22182" r="-22182"/>
           <a:stretch>
             <a:fillRect/>
           </a:stretch>
         </p:blipFill>
-        <p:spPr bwMode="auto">
-          <a:xfrm>
-            <a:off x="1835696" y="1556792"/>
-            <a:ext cx="5025752" cy="4593851"/>
-          </a:xfrm>
-          <a:prstGeom prst="rect">
-            <a:avLst/>
-          </a:prstGeom>
-          <a:noFill/>
-          <a:ln>
-            <a:noFill/>
-          </a:ln>
-          <a:extLst>
-            <a:ext uri="{909E8E84-426E-40dd-AFC4-6F175D3DCCD1}">
-              <a14:hiddenFill xmlns:a14="http://schemas.microsoft.com/office/drawing/2010/main">
-                <a:solidFill>
-                  <a:schemeClr val="accent1"/>
-                </a:solidFill>
-              </a14:hiddenFill>
-            </a:ext>
-            <a:ext uri="{91240B29-F687-4f45-9708-019B960494DF}">
-              <a14:hiddenLine xmlns:a14="http://schemas.microsoft.com/office/drawing/2010/main" w="9525">
-                <a:solidFill>
-                  <a:schemeClr val="tx1"/>
-                </a:solidFill>
-                <a:miter lim="800000"/>
-                <a:headEnd/>
-                <a:tailEnd/>
-              </a14:hiddenLine>
-            </a:ext>
-          </a:extLst>
-        </p:spPr>
+        <p:spPr/>
       </p:pic>
     </p:spTree>
     <p:extLst>
       <p:ext uri="{BB962C8B-B14F-4D97-AF65-F5344CB8AC3E}">
-        <p14:creationId xmlns:p14="http://schemas.microsoft.com/office/powerpoint/2010/main" val="549123957"/>
+        <p14:creationId xmlns:p14="http://schemas.microsoft.com/office/powerpoint/2010/main" val="1901231383"/>
       </p:ext>
     </p:extLst>
   </p:cSld>
   <p:clrMapOvr>
     <a:masterClrMapping/>
   </p:clrMapOvr>
-  <mc:AlternateContent xmlns:mc="http://schemas.openxmlformats.org/markup-compatibility/2006">
-    <mc:Choice xmlns:p14="http://schemas.microsoft.com/office/powerpoint/2010/main" Requires="p14">
-      <p:transition spd="slow" p14:dur="2000"/>
-    </mc:Choice>
-    <mc:Fallback>
-      <p:transition xmlns:p14="http://schemas.microsoft.com/office/powerpoint/2010/main" spd="slow"/>
-    </mc:Fallback>
-  </mc:AlternateContent>
-  <p:timing>
-    <p:tnLst>
-      <p:par>
-        <p:cTn xmlns:p14="http://schemas.microsoft.com/office/powerpoint/2010/main" id="1" dur="indefinite" restart="never" nodeType="tmRoot"/>
-      </p:par>
-    </p:tnLst>
-  </p:timing>
 </p:sld>
 </file>
 
 <file path=ppt/slides/slide21.xml><?xml version="1.0" encoding="utf-8"?>
-<p:sld xmlns:a="http://schemas.openxmlformats.org/drawingml/2006/main" xmlns:r="http://schemas.openxmlformats.org/officeDocument/2006/relationships" xmlns:p="http://schemas.openxmlformats.org/presentationml/2006/main" show="0">
+<p:sld xmlns:a="http://schemas.openxmlformats.org/drawingml/2006/main" xmlns:r="http://schemas.openxmlformats.org/officeDocument/2006/relationships" xmlns:p="http://schemas.openxmlformats.org/presentationml/2006/main">
   <p:cSld>
     <p:spTree>
       <p:nvGrpSpPr>
@@ -7204,86 +7104,62 @@
         </p:nvSpPr>
         <p:spPr/>
         <p:txBody>
-          <a:bodyPr/>
-          <a:lstStyle/>
-          <a:p>
-            <a:r>
-              <a:rPr lang="en-GB" dirty="0" smtClean="0">
-                <a:solidFill>
-                  <a:srgbClr val="FF0000"/>
-                </a:solidFill>
-              </a:rPr>
-              <a:t>Alternative Portal</a:t>
-            </a:r>
-            <a:endParaRPr lang="en-GB" dirty="0">
-              <a:solidFill>
-                <a:srgbClr val="FF0000"/>
-              </a:solidFill>
-            </a:endParaRPr>
-          </a:p>
-        </p:txBody>
-      </p:sp>
-      <p:sp>
-        <p:nvSpPr>
-          <p:cNvPr id="3" name="Content Placeholder 2"/>
-          <p:cNvSpPr>
-            <a:spLocks noGrp="1"/>
-          </p:cNvSpPr>
-          <p:nvPr>
-            <p:ph idx="1"/>
-          </p:nvPr>
-        </p:nvSpPr>
-        <p:spPr/>
-        <p:txBody>
           <a:bodyPr>
             <a:normAutofit/>
           </a:bodyPr>
           <a:lstStyle/>
           <a:p>
-            <a:pPr marL="0" indent="0">
-              <a:buNone/>
-            </a:pPr>
-            <a:r>
-              <a:rPr lang="en-GB" sz="2000" dirty="0" smtClean="0">
-                <a:solidFill>
-                  <a:srgbClr val="FF0000"/>
-                </a:solidFill>
-              </a:rPr>
-              <a:t>As some of the countries may not have reliable data signal an alternative way to report violations could be through SMS or a phone call to Save the Children who have access to the portal.</a:t>
-            </a:r>
-            <a:endParaRPr lang="en-GB" sz="2000" dirty="0">
-              <a:solidFill>
-                <a:srgbClr val="FF0000"/>
-              </a:solidFill>
-            </a:endParaRPr>
-          </a:p>
-        </p:txBody>
-      </p:sp>
+            <a:r>
+              <a:rPr lang="en-US" sz="3200" dirty="0"/>
+              <a:t>Reports administration – </a:t>
+            </a:r>
+            <a:r>
+              <a:rPr lang="en-GB" sz="3200" dirty="0"/>
+              <a:t>view </a:t>
+            </a:r>
+            <a:r>
+              <a:rPr lang="en-GB" sz="3200" dirty="0" smtClean="0"/>
+              <a:t>reports heat map</a:t>
+            </a:r>
+            <a:endParaRPr lang="en-US" sz="3200" dirty="0"/>
+          </a:p>
+        </p:txBody>
+      </p:sp>
+      <p:pic>
+        <p:nvPicPr>
+          <p:cNvPr id="4" name="Content Placeholder 3" descr="ReportMap.png"/>
+          <p:cNvPicPr>
+            <a:picLocks noGrp="1" noChangeAspect="1"/>
+          </p:cNvPicPr>
+          <p:nvPr>
+            <p:ph idx="1"/>
+          </p:nvPr>
+        </p:nvPicPr>
+        <p:blipFill>
+          <a:blip r:embed="rId2">
+            <a:extLst>
+              <a:ext uri="{28A0092B-C50C-407E-A947-70E740481C1C}">
+                <a14:useLocalDpi xmlns:a14="http://schemas.microsoft.com/office/drawing/2010/main" val="0"/>
+              </a:ext>
+            </a:extLst>
+          </a:blip>
+          <a:srcRect l="-22081" r="-22081"/>
+          <a:stretch>
+            <a:fillRect/>
+          </a:stretch>
+        </p:blipFill>
+        <p:spPr/>
+      </p:pic>
     </p:spTree>
     <p:extLst>
       <p:ext uri="{BB962C8B-B14F-4D97-AF65-F5344CB8AC3E}">
-        <p14:creationId xmlns:p14="http://schemas.microsoft.com/office/powerpoint/2010/main" val="2681488024"/>
+        <p14:creationId xmlns:p14="http://schemas.microsoft.com/office/powerpoint/2010/main" val="2392760408"/>
       </p:ext>
     </p:extLst>
   </p:cSld>
   <p:clrMapOvr>
     <a:masterClrMapping/>
   </p:clrMapOvr>
-  <mc:AlternateContent xmlns:mc="http://schemas.openxmlformats.org/markup-compatibility/2006">
-    <mc:Choice xmlns:p14="http://schemas.microsoft.com/office/powerpoint/2010/main" Requires="p14">
-      <p:transition spd="slow" p14:dur="2000"/>
-    </mc:Choice>
-    <mc:Fallback>
-      <p:transition xmlns:p14="http://schemas.microsoft.com/office/powerpoint/2010/main" spd="slow"/>
-    </mc:Fallback>
-  </mc:AlternateContent>
-  <p:timing>
-    <p:tnLst>
-      <p:par>
-        <p:cTn xmlns:p14="http://schemas.microsoft.com/office/powerpoint/2010/main" id="1" dur="indefinite" restart="never" nodeType="tmRoot"/>
-      </p:par>
-    </p:tnLst>
-  </p:timing>
 </p:sld>
 </file>
 
@@ -7321,7 +7197,7 @@
           <a:p>
             <a:r>
               <a:rPr lang="en-US" dirty="0" smtClean="0"/>
-              <a:t>Reports administration</a:t>
+              <a:t>Other functionality</a:t>
             </a:r>
             <a:endParaRPr lang="en-US" dirty="0"/>
           </a:p>
@@ -7347,7 +7223,7 @@
             </a:pPr>
             <a:r>
               <a:rPr lang="en-US" dirty="0" smtClean="0"/>
-              <a:t>The reporting capability will generate a lot of data. This will have to be processed to filter and highlight the most important of the reports.</a:t>
+              <a:t>Below we’ll describe the main idea points and the high level solution vision for the parts of the portal we were not able to detail on time.</a:t>
             </a:r>
           </a:p>
           <a:p>
@@ -7356,28 +7232,15 @@
             </a:pPr>
             <a:r>
               <a:rPr lang="en-US" dirty="0" smtClean="0"/>
-              <a:t>For this we propose two stages review:</a:t>
-            </a:r>
-          </a:p>
-          <a:p>
-            <a:r>
-              <a:rPr lang="en-US" dirty="0" smtClean="0"/>
-              <a:t>System scoring</a:t>
-            </a:r>
-          </a:p>
-          <a:p>
-            <a:r>
-              <a:rPr lang="en-US" dirty="0" smtClean="0"/>
-              <a:t>Manual review</a:t>
-            </a:r>
-            <a:endParaRPr lang="en-US" dirty="0"/>
+              <a:t>As afore mentioned all the functionality can be developed in stages and added one by one.</a:t>
+            </a:r>
           </a:p>
         </p:txBody>
       </p:sp>
     </p:spTree>
     <p:extLst>
       <p:ext uri="{BB962C8B-B14F-4D97-AF65-F5344CB8AC3E}">
-        <p14:creationId xmlns:p14="http://schemas.microsoft.com/office/powerpoint/2010/main" val="2364891170"/>
+        <p14:creationId xmlns:p14="http://schemas.microsoft.com/office/powerpoint/2010/main" val="3884430200"/>
       </p:ext>
     </p:extLst>
   </p:cSld>
@@ -7416,16 +7279,14 @@
         </p:nvSpPr>
         <p:spPr/>
         <p:txBody>
-          <a:bodyPr>
-            <a:normAutofit/>
-          </a:bodyPr>
-          <a:lstStyle/>
-          <a:p>
-            <a:r>
-              <a:rPr lang="en-US" sz="4000" dirty="0" smtClean="0"/>
-              <a:t>Reports administration – system scoring</a:t>
-            </a:r>
-            <a:endParaRPr lang="en-US" sz="4000" dirty="0"/>
+          <a:bodyPr/>
+          <a:lstStyle/>
+          <a:p>
+            <a:r>
+              <a:rPr lang="en-US" dirty="0" smtClean="0"/>
+              <a:t>Other functionality</a:t>
+            </a:r>
+            <a:endParaRPr lang="en-US" dirty="0"/>
           </a:p>
         </p:txBody>
       </p:sp>
@@ -7449,65 +7310,42 @@
             </a:pPr>
             <a:r>
               <a:rPr lang="en-US" dirty="0" smtClean="0"/>
-              <a:t>The system will be able to assign a credibility score to a report based on the number of factors:</a:t>
+              <a:t>Other functionality:</a:t>
             </a:r>
           </a:p>
           <a:p>
             <a:r>
               <a:rPr lang="en-US" dirty="0" smtClean="0"/>
-              <a:t>Reporter’s previous activity</a:t>
+              <a:t>Donation/storage/distribution nodes management</a:t>
             </a:r>
           </a:p>
           <a:p>
             <a:r>
               <a:rPr lang="en-US" dirty="0" smtClean="0"/>
-              <a:t>New or existing (with history) reporter</a:t>
+              <a:t>Manage and track distribution</a:t>
             </a:r>
           </a:p>
           <a:p>
             <a:r>
               <a:rPr lang="en-US" dirty="0" smtClean="0"/>
-              <a:t>Reporter’s occupation</a:t>
-            </a:r>
-          </a:p>
-          <a:p>
-            <a:r>
-              <a:rPr lang="en-US" dirty="0" smtClean="0"/>
-              <a:t>Hard details (pictures, </a:t>
-            </a:r>
-            <a:r>
-              <a:rPr lang="en-US" dirty="0" err="1" smtClean="0"/>
-              <a:t>gps</a:t>
-            </a:r>
-            <a:r>
-              <a:rPr lang="en-US" dirty="0" smtClean="0"/>
-              <a:t> coordinates)</a:t>
-            </a:r>
-          </a:p>
-          <a:p>
-            <a:r>
-              <a:rPr lang="en-US" dirty="0" smtClean="0"/>
-              <a:t>…any other</a:t>
-            </a:r>
+              <a:t>Join incomplete kits</a:t>
+            </a:r>
+          </a:p>
+          <a:p>
+            <a:endParaRPr lang="en-US" dirty="0" smtClean="0"/>
           </a:p>
           <a:p>
             <a:pPr marL="0" indent="0">
               <a:buNone/>
             </a:pPr>
-            <a:r>
-              <a:rPr lang="en-US" dirty="0" smtClean="0"/>
-              <a:t>The reports will be listed in an admin console with this score attached.</a:t>
-            </a:r>
-          </a:p>
-          <a:p>
-            <a:endParaRPr lang="en-US" dirty="0"/>
+            <a:endParaRPr lang="en-US" dirty="0" smtClean="0"/>
           </a:p>
         </p:txBody>
       </p:sp>
     </p:spTree>
     <p:extLst>
       <p:ext uri="{BB962C8B-B14F-4D97-AF65-F5344CB8AC3E}">
-        <p14:creationId xmlns:p14="http://schemas.microsoft.com/office/powerpoint/2010/main" val="200930542"/>
+        <p14:creationId xmlns:p14="http://schemas.microsoft.com/office/powerpoint/2010/main" val="1064514909"/>
       </p:ext>
     </p:extLst>
   </p:cSld>
@@ -7546,51 +7384,46 @@
         </p:nvSpPr>
         <p:spPr/>
         <p:txBody>
-          <a:bodyPr>
-            <a:normAutofit/>
-          </a:bodyPr>
-          <a:lstStyle/>
-          <a:p>
-            <a:r>
-              <a:rPr lang="en-US" sz="4000" dirty="0" smtClean="0"/>
-              <a:t>Reports administration – manual review</a:t>
-            </a:r>
-            <a:endParaRPr lang="en-US" sz="4000" dirty="0"/>
-          </a:p>
-        </p:txBody>
-      </p:sp>
-      <p:sp>
-        <p:nvSpPr>
-          <p:cNvPr id="3" name="Content Placeholder 2"/>
-          <p:cNvSpPr>
-            <a:spLocks noGrp="1"/>
-          </p:cNvSpPr>
+          <a:bodyPr/>
+          <a:lstStyle/>
+          <a:p>
+            <a:r>
+              <a:rPr lang="en-US" dirty="0" smtClean="0"/>
+              <a:t>Distribution status</a:t>
+            </a:r>
+            <a:endParaRPr lang="en-US" dirty="0"/>
+          </a:p>
+        </p:txBody>
+      </p:sp>
+      <p:pic>
+        <p:nvPicPr>
+          <p:cNvPr id="8" name="Content Placeholder 7" descr="DistributionNetwork.png"/>
+          <p:cNvPicPr>
+            <a:picLocks noGrp="1" noChangeAspect="1"/>
+          </p:cNvPicPr>
           <p:nvPr>
             <p:ph idx="1"/>
           </p:nvPr>
-        </p:nvSpPr>
-        <p:spPr/>
-        <p:txBody>
-          <a:bodyPr/>
-          <a:lstStyle/>
-          <a:p>
-            <a:pPr marL="0" indent="0">
-              <a:buNone/>
-            </a:pPr>
-            <a:r>
-              <a:rPr lang="en-US" dirty="0" smtClean="0"/>
-              <a:t>An administrator or someone entitled to review the reports will be able to login into the STC Portal and review and action the reports.</a:t>
-            </a:r>
-          </a:p>
-          <a:p>
-            <a:endParaRPr lang="en-US" dirty="0"/>
-          </a:p>
-        </p:txBody>
-      </p:sp>
+        </p:nvPicPr>
+        <p:blipFill>
+          <a:blip r:embed="rId3">
+            <a:extLst>
+              <a:ext uri="{28A0092B-C50C-407E-A947-70E740481C1C}">
+                <a14:useLocalDpi xmlns:a14="http://schemas.microsoft.com/office/drawing/2010/main" val="0"/>
+              </a:ext>
+            </a:extLst>
+          </a:blip>
+          <a:srcRect l="-22081" r="-22081"/>
+          <a:stretch>
+            <a:fillRect/>
+          </a:stretch>
+        </p:blipFill>
+        <p:spPr/>
+      </p:pic>
     </p:spTree>
     <p:extLst>
       <p:ext uri="{BB962C8B-B14F-4D97-AF65-F5344CB8AC3E}">
-        <p14:creationId xmlns:p14="http://schemas.microsoft.com/office/powerpoint/2010/main" val="980752186"/>
+        <p14:creationId xmlns:p14="http://schemas.microsoft.com/office/powerpoint/2010/main" val="1225648608"/>
       </p:ext>
     </p:extLst>
   </p:cSld>
@@ -7627,63 +7460,117 @@
             <p:ph type="title"/>
           </p:nvPr>
         </p:nvSpPr>
+        <p:spPr/>
+        <p:txBody>
+          <a:bodyPr/>
+          <a:lstStyle/>
+          <a:p>
+            <a:r>
+              <a:rPr lang="en-US" dirty="0" smtClean="0"/>
+              <a:t>Node registrations</a:t>
+            </a:r>
+            <a:endParaRPr lang="en-US" dirty="0"/>
+          </a:p>
+        </p:txBody>
+      </p:sp>
+      <p:sp>
+        <p:nvSpPr>
+          <p:cNvPr id="3" name="Content Placeholder 2"/>
+          <p:cNvSpPr>
+            <a:spLocks noGrp="1"/>
+          </p:cNvSpPr>
+          <p:nvPr>
+            <p:ph idx="1"/>
+          </p:nvPr>
+        </p:nvSpPr>
         <p:spPr>
           <a:xfrm>
-            <a:off x="762000" y="5164666"/>
-            <a:ext cx="6781800" cy="1007533"/>
+            <a:off x="762000" y="685800"/>
+            <a:ext cx="7543800" cy="4546600"/>
           </a:xfrm>
         </p:spPr>
         <p:txBody>
           <a:bodyPr>
-            <a:noAutofit/>
+            <a:normAutofit fontScale="92500" lnSpcReduction="20000"/>
           </a:bodyPr>
           <a:lstStyle/>
           <a:p>
-            <a:r>
-              <a:rPr lang="en-US" sz="3200" dirty="0"/>
-              <a:t>Reports administration – </a:t>
-            </a:r>
-            <a:r>
-              <a:rPr lang="en-GB" sz="3200" dirty="0"/>
-              <a:t>view suspected </a:t>
-            </a:r>
-            <a:r>
-              <a:rPr lang="en-GB" sz="3200" dirty="0" smtClean="0"/>
-              <a:t>violations reports</a:t>
-            </a:r>
-            <a:endParaRPr lang="en-US" sz="3200" dirty="0"/>
-          </a:p>
-        </p:txBody>
-      </p:sp>
-      <p:pic>
-        <p:nvPicPr>
-          <p:cNvPr id="6" name="Content Placeholder 5" descr="ReportList.png"/>
-          <p:cNvPicPr>
-            <a:picLocks noGrp="1" noChangeAspect="1"/>
-          </p:cNvPicPr>
-          <p:nvPr>
-            <p:ph idx="1"/>
-          </p:nvPr>
-        </p:nvPicPr>
-        <p:blipFill>
-          <a:blip r:embed="rId3">
-            <a:extLst>
-              <a:ext uri="{28A0092B-C50C-407E-A947-70E740481C1C}">
-                <a14:useLocalDpi xmlns:a14="http://schemas.microsoft.com/office/drawing/2010/main" val="0"/>
-              </a:ext>
-            </a:extLst>
-          </a:blip>
-          <a:srcRect l="-22182" r="-22182"/>
-          <a:stretch>
-            <a:fillRect/>
-          </a:stretch>
-        </p:blipFill>
-        <p:spPr/>
-      </p:pic>
+            <a:pPr marL="0" indent="0">
+              <a:buNone/>
+            </a:pPr>
+            <a:r>
+              <a:rPr lang="en-US" dirty="0"/>
+              <a:t>To manage the problem of ad-hoc distribution of donations, the portal will offer donors the capability to register a collection </a:t>
+            </a:r>
+            <a:r>
+              <a:rPr lang="en-US" dirty="0" err="1"/>
+              <a:t>centre</a:t>
+            </a:r>
+            <a:r>
+              <a:rPr lang="en-US" dirty="0"/>
+              <a:t> that can link into Save the Children’s distribution network.</a:t>
+            </a:r>
+          </a:p>
+          <a:p>
+            <a:endParaRPr lang="en-US" dirty="0"/>
+          </a:p>
+          <a:p>
+            <a:r>
+              <a:rPr lang="en-US" dirty="0"/>
+              <a:t>The portal can provide advice and information about suitable items for donation and restricted items such as breast milk substitutes.</a:t>
+            </a:r>
+          </a:p>
+          <a:p>
+            <a:r>
+              <a:rPr lang="en-US" dirty="0"/>
+              <a:t>It allows the individual or </a:t>
+            </a:r>
+            <a:r>
+              <a:rPr lang="en-US" dirty="0" err="1"/>
+              <a:t>organisation</a:t>
+            </a:r>
+            <a:r>
+              <a:rPr lang="en-US" dirty="0"/>
+              <a:t> to register a collection </a:t>
+            </a:r>
+            <a:r>
+              <a:rPr lang="en-US" dirty="0" err="1"/>
+              <a:t>centre</a:t>
+            </a:r>
+            <a:r>
+              <a:rPr lang="en-US" dirty="0"/>
+              <a:t> and provide information about the “collection event” including when and where.</a:t>
+            </a:r>
+          </a:p>
+          <a:p>
+            <a:r>
+              <a:rPr lang="en-US" dirty="0"/>
+              <a:t>Identifies a suitable distribution </a:t>
+            </a:r>
+            <a:r>
+              <a:rPr lang="en-US" dirty="0" err="1"/>
+              <a:t>centre</a:t>
+            </a:r>
+            <a:r>
+              <a:rPr lang="en-US" dirty="0"/>
+              <a:t>(s) where the donated items should be delivered.</a:t>
+            </a:r>
+          </a:p>
+          <a:p>
+            <a:r>
+              <a:rPr lang="en-US" dirty="0"/>
+              <a:t>Provides feedback to the donor about where their donated items have been used.</a:t>
+            </a:r>
+          </a:p>
+          <a:p>
+            <a:endParaRPr lang="en-US" dirty="0"/>
+          </a:p>
+        </p:txBody>
+      </p:sp>
     </p:spTree>
     <p:extLst>
       <p:ext uri="{BB962C8B-B14F-4D97-AF65-F5344CB8AC3E}">
-        <p14:creationId xmlns:p14="http://schemas.microsoft.com/office/powerpoint/2010/main" val="1901231383"/>
+        <p14:creationId xmlns:p14="http://schemas.microsoft.com/office/powerpoint/2010/main" val="1298513338"/>
       </p:ext>
     </p:extLst>
   </p:cSld>
@@ -7728,24 +7615,16 @@
           <a:lstStyle/>
           <a:p>
             <a:r>
-              <a:rPr lang="en-US" sz="3200" dirty="0"/>
-              <a:t>Reports administration – </a:t>
-            </a:r>
-            <a:r>
-              <a:rPr lang="en-GB" sz="3200" dirty="0"/>
-              <a:t>view </a:t>
-            </a:r>
-            <a:r>
-              <a:rPr lang="en-GB" sz="3200" dirty="0" smtClean="0"/>
-              <a:t>reports heat map</a:t>
-            </a:r>
-            <a:endParaRPr lang="en-US" sz="3200" dirty="0"/>
+              <a:rPr lang="en-US" dirty="0" smtClean="0"/>
+              <a:t>New node requests</a:t>
+            </a:r>
+            <a:endParaRPr lang="en-US" dirty="0"/>
           </a:p>
         </p:txBody>
       </p:sp>
       <p:pic>
         <p:nvPicPr>
-          <p:cNvPr id="4" name="Content Placeholder 3" descr="ReportMap.png"/>
+          <p:cNvPr id="4" name="Content Placeholder 3" descr="PendingNodeRequests.png"/>
           <p:cNvPicPr>
             <a:picLocks noGrp="1" noChangeAspect="1"/>
           </p:cNvPicPr>
@@ -7754,14 +7633,14 @@
           </p:nvPr>
         </p:nvPicPr>
         <p:blipFill>
-          <a:blip r:embed="rId2">
+          <a:blip r:embed="rId3">
             <a:extLst>
               <a:ext uri="{28A0092B-C50C-407E-A947-70E740481C1C}">
                 <a14:useLocalDpi xmlns:a14="http://schemas.microsoft.com/office/drawing/2010/main" val="0"/>
               </a:ext>
             </a:extLst>
           </a:blip>
-          <a:srcRect l="-22081" r="-22081"/>
+          <a:srcRect l="-22182" r="-22182"/>
           <a:stretch>
             <a:fillRect/>
           </a:stretch>
@@ -7771,7 +7650,7 @@
     </p:spTree>
     <p:extLst>
       <p:ext uri="{BB962C8B-B14F-4D97-AF65-F5344CB8AC3E}">
-        <p14:creationId xmlns:p14="http://schemas.microsoft.com/office/powerpoint/2010/main" val="2392760408"/>
+        <p14:creationId xmlns:p14="http://schemas.microsoft.com/office/powerpoint/2010/main" val="2926113403"/>
       </p:ext>
     </p:extLst>
   </p:cSld>
@@ -7810,31 +7689,71 @@
         </p:nvSpPr>
         <p:spPr/>
         <p:txBody>
-          <a:bodyPr/>
-          <a:lstStyle/>
-          <a:p>
+          <a:bodyPr>
+            <a:normAutofit/>
+          </a:bodyPr>
+          <a:lstStyle/>
+          <a:p>
+            <a:r>
+              <a:rPr lang="en-US" sz="3000" dirty="0" smtClean="0"/>
+              <a:t>Inventory and distribution of donated stock</a:t>
+            </a:r>
+            <a:endParaRPr lang="en-US" sz="3000" dirty="0"/>
+          </a:p>
+        </p:txBody>
+      </p:sp>
+      <p:sp>
+        <p:nvSpPr>
+          <p:cNvPr id="3" name="Content Placeholder 2"/>
+          <p:cNvSpPr>
+            <a:spLocks noGrp="1"/>
+          </p:cNvSpPr>
+          <p:nvPr>
+            <p:ph idx="1"/>
+          </p:nvPr>
+        </p:nvSpPr>
+        <p:spPr>
+          <a:xfrm>
+            <a:off x="762000" y="685799"/>
+            <a:ext cx="7543800" cy="4428067"/>
+          </a:xfrm>
+        </p:spPr>
+        <p:txBody>
+          <a:bodyPr/>
+          <a:lstStyle/>
+          <a:p>
+            <a:r>
+              <a:rPr lang="en-US" dirty="0"/>
+              <a:t>At the point of stock is donated save the children will produce inventory quantity, sell by date and source</a:t>
+            </a:r>
             <a:r>
               <a:rPr lang="en-US" dirty="0" smtClean="0"/>
-              <a:t>Other functionality</a:t>
+              <a:t>.</a:t>
+            </a:r>
+          </a:p>
+          <a:p>
+            <a:r>
+              <a:rPr lang="en-US" dirty="0" smtClean="0"/>
+              <a:t>Stock will be QR labeled for easy tracking</a:t>
             </a:r>
             <a:endParaRPr lang="en-US" dirty="0"/>
           </a:p>
-        </p:txBody>
-      </p:sp>
-      <p:sp>
-        <p:nvSpPr>
-          <p:cNvPr id="3" name="Content Placeholder 2"/>
-          <p:cNvSpPr>
-            <a:spLocks noGrp="1"/>
-          </p:cNvSpPr>
-          <p:nvPr>
-            <p:ph idx="1"/>
-          </p:nvPr>
-        </p:nvSpPr>
-        <p:spPr/>
-        <p:txBody>
-          <a:bodyPr/>
-          <a:lstStyle/>
+          <a:p>
+            <a:r>
+              <a:rPr lang="en-US" dirty="0" smtClean="0"/>
+              <a:t>Data </a:t>
+            </a:r>
+            <a:r>
+              <a:rPr lang="en-US" dirty="0"/>
+              <a:t>will be stored and access trough the portal</a:t>
+            </a:r>
+          </a:p>
+          <a:p>
+            <a:r>
+              <a:rPr lang="en-US" dirty="0"/>
+              <a:t>Ease of stock control and distribution</a:t>
+            </a:r>
+          </a:p>
           <a:p>
             <a:endParaRPr lang="en-US" dirty="0"/>
           </a:p>
@@ -7843,7 +7762,7 @@
     </p:spTree>
     <p:extLst>
       <p:ext uri="{BB962C8B-B14F-4D97-AF65-F5344CB8AC3E}">
-        <p14:creationId xmlns:p14="http://schemas.microsoft.com/office/powerpoint/2010/main" val="3884430200"/>
+        <p14:creationId xmlns:p14="http://schemas.microsoft.com/office/powerpoint/2010/main" val="2911306856"/>
       </p:ext>
     </p:extLst>
   </p:cSld>
@@ -7888,18 +7807,9 @@
           <a:lstStyle/>
           <a:p>
             <a:r>
-              <a:rPr lang="en-GB" dirty="0" smtClean="0">
-                <a:solidFill>
-                  <a:srgbClr val="FF0000"/>
-                </a:solidFill>
-              </a:rPr>
-              <a:t>Save the Children Portal Page</a:t>
-            </a:r>
-            <a:endParaRPr lang="en-GB" dirty="0">
-              <a:solidFill>
-                <a:srgbClr val="FF0000"/>
-              </a:solidFill>
-            </a:endParaRPr>
+              <a:rPr lang="en-US" dirty="0"/>
+              <a:t>Mapping of available stock </a:t>
+            </a:r>
           </a:p>
         </p:txBody>
       </p:sp>
@@ -7917,101 +7827,41 @@
         <p:txBody>
           <a:bodyPr/>
           <a:lstStyle/>
-          <a:p>
-            <a:pPr marL="0" indent="0" algn="ctr">
-              <a:buNone/>
-            </a:pPr>
-            <a:r>
-              <a:rPr lang="en-GB" dirty="0" smtClean="0">
-                <a:solidFill>
-                  <a:srgbClr val="FF0000"/>
-                </a:solidFill>
-              </a:rPr>
-              <a:t>Report managing</a:t>
-            </a:r>
-          </a:p>
-          <a:p>
-            <a:pPr marL="0" indent="0" algn="ctr">
-              <a:buNone/>
-            </a:pPr>
-            <a:endParaRPr lang="en-GB" dirty="0" smtClean="0">
-              <a:solidFill>
-                <a:srgbClr val="FF0000"/>
-              </a:solidFill>
-            </a:endParaRPr>
-          </a:p>
-          <a:p>
-            <a:r>
-              <a:rPr lang="en-GB" sz="2000" dirty="0" smtClean="0">
-                <a:solidFill>
-                  <a:srgbClr val="FF0000"/>
-                </a:solidFill>
-              </a:rPr>
-              <a:t>Administrators will be able to approve violations</a:t>
-            </a:r>
-          </a:p>
-          <a:p>
-            <a:r>
-              <a:rPr lang="en-GB" sz="2000" dirty="0" smtClean="0">
-                <a:solidFill>
-                  <a:srgbClr val="FF0000"/>
-                </a:solidFill>
-              </a:rPr>
-              <a:t>Donation centres</a:t>
-            </a:r>
-          </a:p>
-          <a:p>
-            <a:r>
-              <a:rPr lang="en-GB" sz="2000" dirty="0" smtClean="0">
-                <a:solidFill>
-                  <a:srgbClr val="FF0000"/>
-                </a:solidFill>
-              </a:rPr>
-              <a:t>Manage and track distribution</a:t>
-            </a:r>
-          </a:p>
-          <a:p>
-            <a:r>
-              <a:rPr lang="en-GB" sz="2000" dirty="0" smtClean="0">
-                <a:solidFill>
-                  <a:srgbClr val="FF0000"/>
-                </a:solidFill>
-              </a:rPr>
-              <a:t>Joining kits</a:t>
-            </a:r>
-          </a:p>
           <a:p>
             <a:pPr marL="0" indent="0">
               <a:buNone/>
             </a:pPr>
-            <a:endParaRPr lang="en-GB" dirty="0" smtClean="0">
-              <a:solidFill>
-                <a:srgbClr val="FF0000"/>
-              </a:solidFill>
-            </a:endParaRPr>
-          </a:p>
-          <a:p>
-            <a:endParaRPr lang="en-GB" dirty="0"/>
+            <a:r>
+              <a:rPr lang="en-US" dirty="0"/>
+              <a:t>Stock accessed by the portal can be easily displayed by a map </a:t>
+            </a:r>
+            <a:r>
+              <a:rPr lang="en-US" dirty="0" smtClean="0"/>
+              <a:t>format.</a:t>
+            </a:r>
+          </a:p>
+          <a:p>
+            <a:pPr marL="0" indent="0">
+              <a:buNone/>
+            </a:pPr>
+            <a:r>
+              <a:rPr lang="en-US" dirty="0" smtClean="0"/>
+              <a:t>GPS pallets can be used, or simple by tracking through the neural network described above that can be overlaid over Google maps.</a:t>
+            </a:r>
+            <a:endParaRPr lang="en-US" dirty="0"/>
           </a:p>
         </p:txBody>
       </p:sp>
     </p:spTree>
     <p:extLst>
       <p:ext uri="{BB962C8B-B14F-4D97-AF65-F5344CB8AC3E}">
-        <p14:creationId xmlns:p14="http://schemas.microsoft.com/office/powerpoint/2010/main" val="586191138"/>
+        <p14:creationId xmlns:p14="http://schemas.microsoft.com/office/powerpoint/2010/main" val="1926339810"/>
       </p:ext>
     </p:extLst>
   </p:cSld>
   <p:clrMapOvr>
     <a:masterClrMapping/>
   </p:clrMapOvr>
-  <p:timing>
-    <p:tnLst>
-      <p:par>
-        <p:cTn xmlns:p14="http://schemas.microsoft.com/office/powerpoint/2010/main" id="1" dur="indefinite" restart="never" nodeType="tmRoot"/>
-      </p:par>
-    </p:tnLst>
-  </p:timing>
 </p:sld>
 </file>
 
@@ -8042,7 +7892,12 @@
             <p:ph type="title"/>
           </p:nvPr>
         </p:nvSpPr>
-        <p:spPr/>
+        <p:spPr>
+          <a:xfrm>
+            <a:off x="762000" y="5164666"/>
+            <a:ext cx="6781800" cy="1007533"/>
+          </a:xfrm>
+        </p:spPr>
         <p:txBody>
           <a:bodyPr>
             <a:normAutofit/>
@@ -8050,60 +7905,75 @@
           <a:lstStyle/>
           <a:p>
             <a:r>
-              <a:rPr lang="en-GB" dirty="0" smtClean="0"/>
-              <a:t>Distribution status</a:t>
-            </a:r>
-            <a:endParaRPr lang="en-GB" dirty="0"/>
-          </a:p>
-        </p:txBody>
-      </p:sp>
-      <p:pic>
-        <p:nvPicPr>
-          <p:cNvPr id="3" name="Picture 2" descr="DistributionNetwork.png"/>
-          <p:cNvPicPr>
-            <a:picLocks noChangeAspect="1"/>
-          </p:cNvPicPr>
-          <p:nvPr/>
-        </p:nvPicPr>
-        <p:blipFill>
-          <a:blip r:embed="rId2">
-            <a:extLst>
-              <a:ext uri="{28A0092B-C50C-407E-A947-70E740481C1C}">
-                <a14:useLocalDpi xmlns:a14="http://schemas.microsoft.com/office/drawing/2010/main" val="0"/>
-              </a:ext>
-            </a:extLst>
-          </a:blip>
-          <a:stretch>
-            <a:fillRect/>
-          </a:stretch>
-        </p:blipFill>
-        <p:spPr>
-          <a:xfrm>
-            <a:off x="-4275" y="1556792"/>
-            <a:ext cx="9144000" cy="5715000"/>
-          </a:xfrm>
-          <a:prstGeom prst="rect">
-            <a:avLst/>
-          </a:prstGeom>
-        </p:spPr>
-      </p:pic>
+              <a:rPr lang="en-US" sz="4400" dirty="0"/>
+              <a:t>View/Download Information</a:t>
+            </a:r>
+          </a:p>
+        </p:txBody>
+      </p:sp>
+      <p:sp>
+        <p:nvSpPr>
+          <p:cNvPr id="3" name="Content Placeholder 2"/>
+          <p:cNvSpPr>
+            <a:spLocks noGrp="1"/>
+          </p:cNvSpPr>
+          <p:nvPr>
+            <p:ph idx="1"/>
+          </p:nvPr>
+        </p:nvSpPr>
+        <p:spPr/>
+        <p:txBody>
+          <a:bodyPr/>
+          <a:lstStyle/>
+          <a:p>
+            <a:r>
+              <a:rPr lang="en-US" dirty="0"/>
+              <a:t>Download information on the nearest distribution </a:t>
+            </a:r>
+            <a:r>
+              <a:rPr lang="en-US" dirty="0" err="1"/>
+              <a:t>centre</a:t>
+            </a:r>
+            <a:r>
+              <a:rPr lang="en-US" dirty="0"/>
+              <a:t> of aid</a:t>
+            </a:r>
+          </a:p>
+          <a:p>
+            <a:r>
+              <a:rPr lang="en-US" dirty="0"/>
+              <a:t>A map will be shown of where suppliers can donate emergency supplies</a:t>
+            </a:r>
+          </a:p>
+          <a:p>
+            <a:r>
+              <a:rPr lang="en-US" dirty="0"/>
+              <a:t>Information will be supplied on reports that have unsolicited milk distributions</a:t>
+            </a:r>
+          </a:p>
+          <a:p>
+            <a:r>
+              <a:rPr lang="en-US" dirty="0"/>
+              <a:t>Information of breast milk is the best way to feed </a:t>
+            </a:r>
+            <a:r>
+              <a:rPr lang="en-US" dirty="0" smtClean="0"/>
+              <a:t>children</a:t>
+            </a:r>
+            <a:endParaRPr lang="en-US" dirty="0"/>
+          </a:p>
+        </p:txBody>
+      </p:sp>
     </p:spTree>
     <p:extLst>
       <p:ext uri="{BB962C8B-B14F-4D97-AF65-F5344CB8AC3E}">
-        <p14:creationId xmlns:p14="http://schemas.microsoft.com/office/powerpoint/2010/main" val="1456492130"/>
+        <p14:creationId xmlns:p14="http://schemas.microsoft.com/office/powerpoint/2010/main" val="3908249500"/>
       </p:ext>
     </p:extLst>
   </p:cSld>
   <p:clrMapOvr>
     <a:masterClrMapping/>
   </p:clrMapOvr>
-  <p:timing>
-    <p:tnLst>
-      <p:par>
-        <p:cTn xmlns:p14="http://schemas.microsoft.com/office/powerpoint/2010/main" id="1" dur="indefinite" restart="never" nodeType="tmRoot"/>
-      </p:par>
-    </p:tnLst>
-  </p:timing>
 </p:sld>
 </file>
 
@@ -8220,146 +8090,69 @@
             <p:ph type="title"/>
           </p:nvPr>
         </p:nvSpPr>
-        <p:spPr/>
+        <p:spPr>
+          <a:xfrm>
+            <a:off x="762000" y="5130800"/>
+            <a:ext cx="6781800" cy="1041400"/>
+          </a:xfrm>
+        </p:spPr>
         <p:txBody>
           <a:bodyPr>
-            <a:normAutofit fontScale="90000"/>
+            <a:noAutofit/>
           </a:bodyPr>
           <a:lstStyle/>
           <a:p>
             <a:r>
-              <a:rPr lang="en-GB" dirty="0" smtClean="0">
-                <a:solidFill>
-                  <a:srgbClr val="FF0000"/>
-                </a:solidFill>
-              </a:rPr>
-              <a:t>Save the Children Portal Page</a:t>
-            </a:r>
-            <a:endParaRPr lang="en-GB" dirty="0">
-              <a:solidFill>
-                <a:srgbClr val="FF0000"/>
-              </a:solidFill>
-            </a:endParaRPr>
-          </a:p>
-        </p:txBody>
-      </p:sp>
-      <p:sp>
-        <p:nvSpPr>
-          <p:cNvPr id="3" name="Content Placeholder 2"/>
-          <p:cNvSpPr>
-            <a:spLocks noGrp="1"/>
-          </p:cNvSpPr>
+              <a:rPr lang="en-US" sz="3600" dirty="0" smtClean="0"/>
+              <a:t>Portal Homepage - view</a:t>
+            </a:r>
+            <a:r>
+              <a:rPr lang="en-US" sz="3600" dirty="0"/>
+              <a:t>/Download Information</a:t>
+            </a:r>
+          </a:p>
+        </p:txBody>
+      </p:sp>
+      <p:pic>
+        <p:nvPicPr>
+          <p:cNvPr id="4" name="Content Placeholder 3" descr="HomePage.png"/>
+          <p:cNvPicPr>
+            <a:picLocks noGrp="1" noChangeAspect="1"/>
+          </p:cNvPicPr>
           <p:nvPr>
             <p:ph idx="1"/>
           </p:nvPr>
-        </p:nvSpPr>
-        <p:spPr/>
-        <p:txBody>
-          <a:bodyPr/>
-          <a:lstStyle/>
-          <a:p>
-            <a:pPr marL="0" indent="0">
-              <a:buNone/>
-            </a:pPr>
-            <a:r>
-              <a:rPr lang="en-GB" dirty="0" smtClean="0">
-                <a:solidFill>
-                  <a:srgbClr val="FF0000"/>
-                </a:solidFill>
-              </a:rPr>
-              <a:t>This page maybe enhanced for the following</a:t>
-            </a:r>
-          </a:p>
-          <a:p>
-            <a:pPr marL="0" indent="0">
-              <a:buNone/>
-            </a:pPr>
-            <a:endParaRPr lang="en-GB" dirty="0" smtClean="0">
-              <a:solidFill>
-                <a:srgbClr val="FF0000"/>
-              </a:solidFill>
-            </a:endParaRPr>
-          </a:p>
-          <a:p>
-            <a:r>
-              <a:rPr lang="en-GB" sz="2000" dirty="0">
-                <a:solidFill>
-                  <a:srgbClr val="FF0000"/>
-                </a:solidFill>
-              </a:rPr>
-              <a:t>Inventory and distribution of donated stock</a:t>
-            </a:r>
-          </a:p>
-          <a:p>
-            <a:r>
-              <a:rPr lang="en-GB" sz="2000" dirty="0">
-                <a:solidFill>
-                  <a:srgbClr val="FF0000"/>
-                </a:solidFill>
-              </a:rPr>
-              <a:t>Mapping of available stock </a:t>
-            </a:r>
-          </a:p>
-          <a:p>
-            <a:r>
-              <a:rPr lang="en-GB" sz="2000" dirty="0">
-                <a:solidFill>
-                  <a:srgbClr val="FF0000"/>
-                </a:solidFill>
-              </a:rPr>
-              <a:t>Setting up a donation centre</a:t>
-            </a:r>
-          </a:p>
-          <a:p>
-            <a:r>
-              <a:rPr lang="en-GB" sz="2000" dirty="0">
-                <a:solidFill>
-                  <a:srgbClr val="FF0000"/>
-                </a:solidFill>
-              </a:rPr>
-              <a:t>View and download </a:t>
-            </a:r>
-            <a:r>
-              <a:rPr lang="en-GB" sz="2000" dirty="0" smtClean="0">
-                <a:solidFill>
-                  <a:srgbClr val="FF0000"/>
-                </a:solidFill>
-              </a:rPr>
-              <a:t>information</a:t>
-            </a:r>
-          </a:p>
-          <a:p>
-            <a:r>
-              <a:rPr lang="en-GB" sz="2000" dirty="0" smtClean="0">
-                <a:solidFill>
-                  <a:srgbClr val="FF0000"/>
-                </a:solidFill>
-              </a:rPr>
-              <a:t>Administration</a:t>
-            </a:r>
-          </a:p>
-          <a:p>
-            <a:endParaRPr lang="en-GB" dirty="0"/>
-          </a:p>
-        </p:txBody>
-      </p:sp>
+        </p:nvPicPr>
+        <p:blipFill>
+          <a:blip r:embed="rId2">
+            <a:extLst>
+              <a:ext uri="{28A0092B-C50C-407E-A947-70E740481C1C}">
+                <a14:useLocalDpi xmlns:a14="http://schemas.microsoft.com/office/drawing/2010/main" val="0"/>
+              </a:ext>
+            </a:extLst>
+          </a:blip>
+          <a:srcRect l="-15860" r="-15860"/>
+          <a:stretch>
+            <a:fillRect/>
+          </a:stretch>
+        </p:blipFill>
+        <p:spPr>
+          <a:xfrm>
+            <a:off x="762000" y="685800"/>
+            <a:ext cx="7543800" cy="4259263"/>
+          </a:xfrm>
+        </p:spPr>
+      </p:pic>
     </p:spTree>
     <p:extLst>
       <p:ext uri="{BB962C8B-B14F-4D97-AF65-F5344CB8AC3E}">
-        <p14:creationId xmlns:p14="http://schemas.microsoft.com/office/powerpoint/2010/main" val="531854623"/>
+        <p14:creationId xmlns:p14="http://schemas.microsoft.com/office/powerpoint/2010/main" val="3580363701"/>
       </p:ext>
     </p:extLst>
   </p:cSld>
   <p:clrMapOvr>
     <a:masterClrMapping/>
   </p:clrMapOvr>
-  <p:timing>
-    <p:tnLst>
-      <p:par>
-        <p:cTn xmlns:p14="http://schemas.microsoft.com/office/powerpoint/2010/main" id="1" dur="indefinite" restart="never" nodeType="tmRoot"/>
-      </p:par>
-    </p:tnLst>
-  </p:timing>
 </p:sld>
 </file>
 
@@ -8392,697 +8185,27 @@
         </p:nvSpPr>
         <p:spPr/>
         <p:txBody>
-          <a:bodyPr>
-            <a:normAutofit fontScale="90000"/>
-          </a:bodyPr>
-          <a:lstStyle/>
-          <a:p>
-            <a:r>
-              <a:rPr lang="en-GB" dirty="0" smtClean="0">
-                <a:solidFill>
-                  <a:srgbClr val="FF0000"/>
-                </a:solidFill>
-              </a:rPr>
-              <a:t>Save the Children Portal Page</a:t>
-            </a:r>
-            <a:endParaRPr lang="en-GB" dirty="0">
-              <a:solidFill>
-                <a:srgbClr val="FF0000"/>
-              </a:solidFill>
-            </a:endParaRPr>
-          </a:p>
-        </p:txBody>
-      </p:sp>
-      <p:sp>
-        <p:nvSpPr>
-          <p:cNvPr id="3" name="Content Placeholder 2"/>
-          <p:cNvSpPr>
-            <a:spLocks noGrp="1"/>
-          </p:cNvSpPr>
-          <p:nvPr>
-            <p:ph idx="1"/>
-          </p:nvPr>
-        </p:nvSpPr>
-        <p:spPr/>
-        <p:txBody>
-          <a:bodyPr>
-            <a:normAutofit/>
-          </a:bodyPr>
-          <a:lstStyle/>
-          <a:p>
-            <a:pPr marL="0" indent="0" algn="ctr">
-              <a:buNone/>
-            </a:pPr>
-            <a:r>
-              <a:rPr lang="en-GB" sz="2000" dirty="0">
-                <a:solidFill>
-                  <a:srgbClr val="FF0000"/>
-                </a:solidFill>
-              </a:rPr>
-              <a:t>Inventory and distribution of </a:t>
-            </a:r>
-            <a:r>
-              <a:rPr lang="en-GB" sz="2000" dirty="0" smtClean="0">
-                <a:solidFill>
-                  <a:srgbClr val="FF0000"/>
-                </a:solidFill>
-              </a:rPr>
-              <a:t>donated stock</a:t>
-            </a:r>
-          </a:p>
-          <a:p>
-            <a:pPr marL="0" indent="0">
-              <a:buNone/>
-            </a:pPr>
-            <a:endParaRPr lang="en-GB" sz="2000" dirty="0" smtClean="0">
-              <a:solidFill>
-                <a:srgbClr val="FF0000"/>
-              </a:solidFill>
-            </a:endParaRPr>
-          </a:p>
-          <a:p>
-            <a:r>
-              <a:rPr lang="en-GB" sz="2000" dirty="0" smtClean="0">
-                <a:solidFill>
-                  <a:srgbClr val="FF0000"/>
-                </a:solidFill>
-              </a:rPr>
-              <a:t>At the point of stock is donated save the children will produce inventory quantity, sell by date and source.</a:t>
-            </a:r>
-          </a:p>
-          <a:p>
-            <a:r>
-              <a:rPr lang="en-GB" sz="2000" dirty="0" smtClean="0">
-                <a:solidFill>
-                  <a:srgbClr val="FF0000"/>
-                </a:solidFill>
-              </a:rPr>
-              <a:t>Data will be stored and access trough the portal</a:t>
-            </a:r>
-          </a:p>
-          <a:p>
-            <a:r>
-              <a:rPr lang="en-GB" sz="2000" dirty="0" smtClean="0">
-                <a:solidFill>
-                  <a:srgbClr val="FF0000"/>
-                </a:solidFill>
-              </a:rPr>
-              <a:t>Ease of stock control and distribution</a:t>
-            </a:r>
-          </a:p>
-          <a:p>
-            <a:pPr marL="0" indent="0">
-              <a:buNone/>
-            </a:pPr>
-            <a:endParaRPr lang="en-GB" sz="2000" dirty="0">
-              <a:solidFill>
-                <a:srgbClr val="FF0000"/>
-              </a:solidFill>
-            </a:endParaRPr>
-          </a:p>
-        </p:txBody>
-      </p:sp>
-    </p:spTree>
-    <p:extLst>
-      <p:ext uri="{BB962C8B-B14F-4D97-AF65-F5344CB8AC3E}">
-        <p14:creationId xmlns:p14="http://schemas.microsoft.com/office/powerpoint/2010/main" val="2238835990"/>
-      </p:ext>
-    </p:extLst>
-  </p:cSld>
-  <p:clrMapOvr>
-    <a:masterClrMapping/>
-  </p:clrMapOvr>
-  <p:timing>
-    <p:tnLst>
-      <p:par>
-        <p:cTn xmlns:p14="http://schemas.microsoft.com/office/powerpoint/2010/main" id="1" dur="indefinite" restart="never" nodeType="tmRoot"/>
-      </p:par>
-    </p:tnLst>
-  </p:timing>
-</p:sld>
-</file>
-
-<file path=ppt/slides/slide32.xml><?xml version="1.0" encoding="utf-8"?>
-<p:sld xmlns:a="http://schemas.openxmlformats.org/drawingml/2006/main" xmlns:r="http://schemas.openxmlformats.org/officeDocument/2006/relationships" xmlns:p="http://schemas.openxmlformats.org/presentationml/2006/main">
-  <p:cSld>
-    <p:spTree>
-      <p:nvGrpSpPr>
-        <p:cNvPr id="1" name=""/>
-        <p:cNvGrpSpPr/>
-        <p:nvPr/>
-      </p:nvGrpSpPr>
-      <p:grpSpPr>
-        <a:xfrm>
-          <a:off x="0" y="0"/>
-          <a:ext cx="0" cy="0"/>
-          <a:chOff x="0" y="0"/>
-          <a:chExt cx="0" cy="0"/>
-        </a:xfrm>
-      </p:grpSpPr>
-      <p:sp>
-        <p:nvSpPr>
-          <p:cNvPr id="2" name="Title 1"/>
-          <p:cNvSpPr>
-            <a:spLocks noGrp="1"/>
-          </p:cNvSpPr>
-          <p:nvPr>
-            <p:ph type="title"/>
-          </p:nvPr>
-        </p:nvSpPr>
-        <p:spPr/>
-        <p:txBody>
-          <a:bodyPr>
-            <a:normAutofit fontScale="90000"/>
-          </a:bodyPr>
-          <a:lstStyle/>
-          <a:p>
-            <a:r>
-              <a:rPr lang="en-GB" dirty="0" smtClean="0">
-                <a:solidFill>
-                  <a:srgbClr val="FF0000"/>
-                </a:solidFill>
-              </a:rPr>
-              <a:t>Save the Children Portal Page</a:t>
-            </a:r>
-            <a:endParaRPr lang="en-GB" dirty="0">
-              <a:solidFill>
-                <a:srgbClr val="FF0000"/>
-              </a:solidFill>
-            </a:endParaRPr>
-          </a:p>
-        </p:txBody>
-      </p:sp>
-      <p:sp>
-        <p:nvSpPr>
-          <p:cNvPr id="3" name="Content Placeholder 2"/>
-          <p:cNvSpPr>
-            <a:spLocks noGrp="1"/>
-          </p:cNvSpPr>
-          <p:nvPr>
-            <p:ph idx="1"/>
-          </p:nvPr>
-        </p:nvSpPr>
-        <p:spPr/>
-        <p:txBody>
-          <a:bodyPr/>
-          <a:lstStyle/>
-          <a:p>
-            <a:pPr marL="0" indent="0" algn="ctr">
-              <a:buNone/>
-            </a:pPr>
-            <a:r>
-              <a:rPr lang="en-GB" dirty="0">
-                <a:solidFill>
-                  <a:srgbClr val="FF0000"/>
-                </a:solidFill>
-              </a:rPr>
-              <a:t>Mapping of available stock </a:t>
-            </a:r>
-            <a:endParaRPr lang="en-GB" dirty="0" smtClean="0">
-              <a:solidFill>
-                <a:srgbClr val="FF0000"/>
-              </a:solidFill>
-            </a:endParaRPr>
-          </a:p>
-          <a:p>
-            <a:pPr marL="0" indent="0" algn="ctr">
-              <a:buNone/>
-            </a:pPr>
-            <a:endParaRPr lang="en-GB" dirty="0">
-              <a:solidFill>
-                <a:srgbClr val="FF0000"/>
-              </a:solidFill>
-            </a:endParaRPr>
-          </a:p>
-          <a:p>
-            <a:pPr marL="0" indent="0" algn="ctr">
-              <a:buNone/>
-            </a:pPr>
-            <a:r>
-              <a:rPr lang="en-GB" dirty="0" smtClean="0">
-                <a:solidFill>
-                  <a:srgbClr val="FF0000"/>
-                </a:solidFill>
-              </a:rPr>
-              <a:t>Stock accessed by the portal can be easily displayed by a map format</a:t>
-            </a:r>
-            <a:endParaRPr lang="en-GB" dirty="0">
-              <a:solidFill>
-                <a:srgbClr val="FF0000"/>
-              </a:solidFill>
-            </a:endParaRPr>
-          </a:p>
-        </p:txBody>
-      </p:sp>
-    </p:spTree>
-    <p:extLst>
-      <p:ext uri="{BB962C8B-B14F-4D97-AF65-F5344CB8AC3E}">
-        <p14:creationId xmlns:p14="http://schemas.microsoft.com/office/powerpoint/2010/main" val="3557105358"/>
-      </p:ext>
-    </p:extLst>
-  </p:cSld>
-  <p:clrMapOvr>
-    <a:masterClrMapping/>
-  </p:clrMapOvr>
-  <p:timing>
-    <p:tnLst>
-      <p:par>
-        <p:cTn xmlns:p14="http://schemas.microsoft.com/office/powerpoint/2010/main" id="1" dur="indefinite" restart="never" nodeType="tmRoot"/>
-      </p:par>
-    </p:tnLst>
-  </p:timing>
-</p:sld>
-</file>
-
-<file path=ppt/slides/slide33.xml><?xml version="1.0" encoding="utf-8"?>
-<p:sld xmlns:a="http://schemas.openxmlformats.org/drawingml/2006/main" xmlns:r="http://schemas.openxmlformats.org/officeDocument/2006/relationships" xmlns:p="http://schemas.openxmlformats.org/presentationml/2006/main">
-  <p:cSld>
-    <p:spTree>
-      <p:nvGrpSpPr>
-        <p:cNvPr id="1" name=""/>
-        <p:cNvGrpSpPr/>
-        <p:nvPr/>
-      </p:nvGrpSpPr>
-      <p:grpSpPr>
-        <a:xfrm>
-          <a:off x="0" y="0"/>
-          <a:ext cx="0" cy="0"/>
-          <a:chOff x="0" y="0"/>
-          <a:chExt cx="0" cy="0"/>
-        </a:xfrm>
-      </p:grpSpPr>
-      <p:sp>
-        <p:nvSpPr>
-          <p:cNvPr id="2" name="Title 1"/>
-          <p:cNvSpPr>
-            <a:spLocks noGrp="1"/>
-          </p:cNvSpPr>
-          <p:nvPr>
-            <p:ph type="title"/>
-          </p:nvPr>
-        </p:nvSpPr>
-        <p:spPr/>
-        <p:txBody>
-          <a:bodyPr>
-            <a:normAutofit fontScale="90000"/>
-          </a:bodyPr>
-          <a:lstStyle/>
-          <a:p>
-            <a:r>
-              <a:rPr lang="en-GB" dirty="0" smtClean="0">
-                <a:solidFill>
-                  <a:srgbClr val="FF0000"/>
-                </a:solidFill>
-              </a:rPr>
-              <a:t>Save the Children Portal Page</a:t>
-            </a:r>
-            <a:endParaRPr lang="en-GB" dirty="0">
-              <a:solidFill>
-                <a:srgbClr val="FF0000"/>
-              </a:solidFill>
-            </a:endParaRPr>
-          </a:p>
-        </p:txBody>
-      </p:sp>
-      <p:sp>
-        <p:nvSpPr>
-          <p:cNvPr id="3" name="Content Placeholder 2"/>
-          <p:cNvSpPr>
-            <a:spLocks noGrp="1"/>
-          </p:cNvSpPr>
-          <p:nvPr>
-            <p:ph idx="1"/>
-          </p:nvPr>
-        </p:nvSpPr>
-        <p:spPr/>
-        <p:txBody>
-          <a:bodyPr>
-            <a:normAutofit fontScale="92500" lnSpcReduction="20000"/>
-          </a:bodyPr>
-          <a:lstStyle/>
-          <a:p>
-            <a:pPr marL="0" indent="0" algn="ctr">
-              <a:buNone/>
-            </a:pPr>
-            <a:r>
-              <a:rPr lang="en-GB" sz="2000" dirty="0">
-                <a:solidFill>
-                  <a:srgbClr val="FF0000"/>
-                </a:solidFill>
-              </a:rPr>
-              <a:t>To manage the problem of ad-hoc distribution of donations, the portal will offer donors the capability to register a collection centre that can link into Save the Children’s distribution network</a:t>
-            </a:r>
-            <a:r>
-              <a:rPr lang="en-GB" sz="2000" dirty="0" smtClean="0">
-                <a:solidFill>
-                  <a:srgbClr val="FF0000"/>
-                </a:solidFill>
-              </a:rPr>
-              <a:t>.</a:t>
-            </a:r>
-          </a:p>
-          <a:p>
-            <a:pPr lvl="0"/>
-            <a:endParaRPr lang="en-GB" sz="2000" dirty="0">
-              <a:solidFill>
-                <a:srgbClr val="FF0000"/>
-              </a:solidFill>
-            </a:endParaRPr>
-          </a:p>
-          <a:p>
-            <a:pPr lvl="0"/>
-            <a:r>
-              <a:rPr lang="en-GB" sz="2000" dirty="0" smtClean="0">
-                <a:solidFill>
-                  <a:srgbClr val="FF0000"/>
-                </a:solidFill>
-              </a:rPr>
-              <a:t>The </a:t>
-            </a:r>
-            <a:r>
-              <a:rPr lang="en-GB" sz="2000" dirty="0">
-                <a:solidFill>
-                  <a:srgbClr val="FF0000"/>
-                </a:solidFill>
-              </a:rPr>
-              <a:t>portal can provide advice and information about suitable items for donation and restricted items such as breast milk substitutes.</a:t>
-            </a:r>
-          </a:p>
-          <a:p>
-            <a:pPr lvl="0"/>
-            <a:r>
-              <a:rPr lang="en-GB" sz="2000" dirty="0">
-                <a:solidFill>
-                  <a:srgbClr val="FF0000"/>
-                </a:solidFill>
-              </a:rPr>
-              <a:t>It allows the individual or organisation to register a collection centre and provide information about the “collection event” including when and where.</a:t>
-            </a:r>
-          </a:p>
-          <a:p>
-            <a:pPr lvl="0"/>
-            <a:r>
-              <a:rPr lang="en-GB" sz="2000" dirty="0">
-                <a:solidFill>
-                  <a:srgbClr val="FF0000"/>
-                </a:solidFill>
-              </a:rPr>
-              <a:t>Identifies a suitable distribution centre(s) where the donated items should be delivered.</a:t>
-            </a:r>
-          </a:p>
-          <a:p>
-            <a:pPr lvl="0"/>
-            <a:r>
-              <a:rPr lang="en-GB" sz="2000" dirty="0">
-                <a:solidFill>
-                  <a:srgbClr val="FF0000"/>
-                </a:solidFill>
-              </a:rPr>
-              <a:t>Provides feedback to the donor about where their donated items have been used.</a:t>
-            </a:r>
-          </a:p>
-        </p:txBody>
-      </p:sp>
-    </p:spTree>
-    <p:extLst>
-      <p:ext uri="{BB962C8B-B14F-4D97-AF65-F5344CB8AC3E}">
-        <p14:creationId xmlns:p14="http://schemas.microsoft.com/office/powerpoint/2010/main" val="4205917677"/>
-      </p:ext>
-    </p:extLst>
-  </p:cSld>
-  <p:clrMapOvr>
-    <a:masterClrMapping/>
-  </p:clrMapOvr>
-  <p:timing>
-    <p:tnLst>
-      <p:par>
-        <p:cTn xmlns:p14="http://schemas.microsoft.com/office/powerpoint/2010/main" id="1" dur="indefinite" restart="never" nodeType="tmRoot"/>
-      </p:par>
-    </p:tnLst>
-  </p:timing>
-</p:sld>
-</file>
-
-<file path=ppt/slides/slide34.xml><?xml version="1.0" encoding="utf-8"?>
-<p:sld xmlns:a="http://schemas.openxmlformats.org/drawingml/2006/main" xmlns:r="http://schemas.openxmlformats.org/officeDocument/2006/relationships" xmlns:p="http://schemas.openxmlformats.org/presentationml/2006/main">
-  <p:cSld>
-    <p:spTree>
-      <p:nvGrpSpPr>
-        <p:cNvPr id="1" name=""/>
-        <p:cNvGrpSpPr/>
-        <p:nvPr/>
-      </p:nvGrpSpPr>
-      <p:grpSpPr>
-        <a:xfrm>
-          <a:off x="0" y="0"/>
-          <a:ext cx="0" cy="0"/>
-          <a:chOff x="0" y="0"/>
-          <a:chExt cx="0" cy="0"/>
-        </a:xfrm>
-      </p:grpSpPr>
-      <p:sp>
-        <p:nvSpPr>
-          <p:cNvPr id="2" name="Title 1"/>
-          <p:cNvSpPr>
-            <a:spLocks noGrp="1"/>
-          </p:cNvSpPr>
-          <p:nvPr>
-            <p:ph type="title"/>
-          </p:nvPr>
-        </p:nvSpPr>
-        <p:spPr/>
-        <p:txBody>
-          <a:bodyPr>
-            <a:normAutofit fontScale="90000"/>
-          </a:bodyPr>
-          <a:lstStyle/>
-          <a:p>
-            <a:r>
-              <a:rPr lang="en-GB" dirty="0" smtClean="0">
-                <a:solidFill>
-                  <a:srgbClr val="FF0000"/>
-                </a:solidFill>
-              </a:rPr>
-              <a:t>Save the Children Portal Page</a:t>
-            </a:r>
-            <a:endParaRPr lang="en-GB" dirty="0">
-              <a:solidFill>
-                <a:srgbClr val="FF0000"/>
-              </a:solidFill>
-            </a:endParaRPr>
-          </a:p>
-        </p:txBody>
-      </p:sp>
-      <p:sp>
-        <p:nvSpPr>
-          <p:cNvPr id="3" name="Content Placeholder 2"/>
-          <p:cNvSpPr>
-            <a:spLocks noGrp="1"/>
-          </p:cNvSpPr>
-          <p:nvPr>
-            <p:ph idx="1"/>
-          </p:nvPr>
-        </p:nvSpPr>
-        <p:spPr/>
-        <p:txBody>
-          <a:bodyPr/>
-          <a:lstStyle/>
-          <a:p>
-            <a:pPr marL="0" indent="0" algn="ctr">
-              <a:buNone/>
-            </a:pPr>
-            <a:r>
-              <a:rPr lang="en-GB" dirty="0" smtClean="0">
-                <a:solidFill>
-                  <a:srgbClr val="FF0000"/>
-                </a:solidFill>
-              </a:rPr>
-              <a:t>View/Download Information</a:t>
-            </a:r>
-          </a:p>
-          <a:p>
-            <a:pPr marL="0" indent="0" algn="ctr">
-              <a:buNone/>
-            </a:pPr>
-            <a:endParaRPr lang="en-GB" dirty="0" smtClean="0">
-              <a:solidFill>
-                <a:srgbClr val="FF0000"/>
-              </a:solidFill>
-            </a:endParaRPr>
-          </a:p>
-          <a:p>
-            <a:r>
-              <a:rPr lang="en-GB" sz="2000" dirty="0" smtClean="0">
-                <a:solidFill>
-                  <a:srgbClr val="FF0000"/>
-                </a:solidFill>
-              </a:rPr>
-              <a:t>Download </a:t>
-            </a:r>
-            <a:r>
-              <a:rPr lang="en-GB" sz="2000" dirty="0">
-                <a:solidFill>
-                  <a:srgbClr val="FF0000"/>
-                </a:solidFill>
-              </a:rPr>
-              <a:t>information on the nearest distribution centre of </a:t>
-            </a:r>
-            <a:r>
-              <a:rPr lang="en-GB" sz="2000" dirty="0" smtClean="0">
-                <a:solidFill>
-                  <a:srgbClr val="FF0000"/>
-                </a:solidFill>
-              </a:rPr>
-              <a:t>aid</a:t>
-            </a:r>
-          </a:p>
-          <a:p>
-            <a:r>
-              <a:rPr lang="en-GB" sz="2000" dirty="0">
-                <a:solidFill>
-                  <a:srgbClr val="FF0000"/>
-                </a:solidFill>
-              </a:rPr>
-              <a:t>A map will be shown of where suppliers can donate emergency </a:t>
-            </a:r>
-            <a:r>
-              <a:rPr lang="en-GB" sz="2000" dirty="0" smtClean="0">
-                <a:solidFill>
-                  <a:srgbClr val="FF0000"/>
-                </a:solidFill>
-              </a:rPr>
-              <a:t>supplies</a:t>
-            </a:r>
-          </a:p>
-          <a:p>
-            <a:r>
-              <a:rPr lang="en-GB" sz="2000" dirty="0">
-                <a:solidFill>
-                  <a:srgbClr val="FF0000"/>
-                </a:solidFill>
-              </a:rPr>
-              <a:t>Information will be supplied on reports that have unsolicited milk distributions</a:t>
-            </a:r>
-          </a:p>
-          <a:p>
-            <a:r>
-              <a:rPr lang="en-GB" sz="2000" dirty="0">
-                <a:solidFill>
-                  <a:srgbClr val="FF0000"/>
-                </a:solidFill>
-              </a:rPr>
-              <a:t>Information of breast milk is the best way to feed </a:t>
-            </a:r>
-            <a:r>
-              <a:rPr lang="en-GB" sz="2000" dirty="0" smtClean="0">
-                <a:solidFill>
-                  <a:srgbClr val="FF0000"/>
-                </a:solidFill>
-              </a:rPr>
-              <a:t>children</a:t>
-            </a:r>
-          </a:p>
-          <a:p>
-            <a:endParaRPr lang="en-GB" sz="2000" dirty="0">
-              <a:solidFill>
-                <a:srgbClr val="FF0000"/>
-              </a:solidFill>
-            </a:endParaRPr>
-          </a:p>
-          <a:p>
-            <a:endParaRPr lang="en-GB" sz="2000" dirty="0">
-              <a:solidFill>
-                <a:srgbClr val="FF0000"/>
-              </a:solidFill>
-            </a:endParaRPr>
-          </a:p>
-          <a:p>
-            <a:pPr marL="0" indent="0" algn="ctr">
-              <a:buNone/>
-            </a:pPr>
-            <a:endParaRPr lang="en-GB" dirty="0" smtClean="0">
-              <a:solidFill>
-                <a:srgbClr val="FF0000"/>
-              </a:solidFill>
-            </a:endParaRPr>
-          </a:p>
-          <a:p>
-            <a:pPr marL="0" indent="0">
-              <a:buNone/>
-            </a:pPr>
-            <a:endParaRPr lang="en-GB" dirty="0"/>
-          </a:p>
-        </p:txBody>
-      </p:sp>
-    </p:spTree>
-    <p:extLst>
-      <p:ext uri="{BB962C8B-B14F-4D97-AF65-F5344CB8AC3E}">
-        <p14:creationId xmlns:p14="http://schemas.microsoft.com/office/powerpoint/2010/main" val="733480904"/>
-      </p:ext>
-    </p:extLst>
-  </p:cSld>
-  <p:clrMapOvr>
-    <a:masterClrMapping/>
-  </p:clrMapOvr>
-  <p:timing>
-    <p:tnLst>
-      <p:par>
-        <p:cTn xmlns:p14="http://schemas.microsoft.com/office/powerpoint/2010/main" id="1" dur="indefinite" restart="never" nodeType="tmRoot"/>
-      </p:par>
-    </p:tnLst>
-  </p:timing>
-</p:sld>
-</file>
-
-<file path=ppt/slides/slide35.xml><?xml version="1.0" encoding="utf-8"?>
-<p:sld xmlns:a="http://schemas.openxmlformats.org/drawingml/2006/main" xmlns:r="http://schemas.openxmlformats.org/officeDocument/2006/relationships" xmlns:p="http://schemas.openxmlformats.org/presentationml/2006/main">
-  <p:cSld>
-    <p:spTree>
-      <p:nvGrpSpPr>
-        <p:cNvPr id="1" name=""/>
-        <p:cNvGrpSpPr/>
-        <p:nvPr/>
-      </p:nvGrpSpPr>
-      <p:grpSpPr>
-        <a:xfrm>
-          <a:off x="0" y="0"/>
-          <a:ext cx="0" cy="0"/>
-          <a:chOff x="0" y="0"/>
-          <a:chExt cx="0" cy="0"/>
-        </a:xfrm>
-      </p:grpSpPr>
-      <p:sp>
-        <p:nvSpPr>
-          <p:cNvPr id="2" name="Title 1"/>
-          <p:cNvSpPr>
-            <a:spLocks noGrp="1"/>
-          </p:cNvSpPr>
-          <p:nvPr>
-            <p:ph type="title"/>
-          </p:nvPr>
-        </p:nvSpPr>
-        <p:spPr/>
-        <p:txBody>
-          <a:bodyPr>
-            <a:normAutofit fontScale="90000"/>
-          </a:bodyPr>
-          <a:lstStyle/>
-          <a:p>
-            <a:r>
-              <a:rPr lang="en-GB" dirty="0" smtClean="0"/>
-              <a:t>Save the children portal home page</a:t>
-            </a:r>
-            <a:endParaRPr lang="en-GB" dirty="0"/>
+          <a:bodyPr/>
+          <a:lstStyle/>
+          <a:p>
+            <a:pPr algn="ctr"/>
+            <a:r>
+              <a:rPr lang="en-US" dirty="0" smtClean="0"/>
+              <a:t>Thank you</a:t>
+            </a:r>
+            <a:endParaRPr lang="en-US" dirty="0"/>
           </a:p>
         </p:txBody>
       </p:sp>
       <p:pic>
         <p:nvPicPr>
-          <p:cNvPr id="3" name="Picture 2" descr="HomePage.png"/>
+          <p:cNvPr id="6" name="Content Placeholder 5" descr="save-the-children-logo.jpg"/>
           <p:cNvPicPr>
-            <a:picLocks noChangeAspect="1"/>
+            <a:picLocks noGrp="1" noChangeAspect="1"/>
           </p:cNvPicPr>
-          <p:nvPr/>
+          <p:nvPr>
+            <p:ph idx="1"/>
+          </p:nvPr>
         </p:nvPicPr>
         <p:blipFill>
           <a:blip r:embed="rId2">
@@ -9092,37 +8215,28 @@
               </a:ext>
             </a:extLst>
           </a:blip>
+          <a:srcRect l="-31734" r="-31734"/>
           <a:stretch>
             <a:fillRect/>
           </a:stretch>
         </p:blipFill>
         <p:spPr>
           <a:xfrm>
-            <a:off x="0" y="1412776"/>
-            <a:ext cx="9144000" cy="5715000"/>
+            <a:off x="762000" y="685800"/>
+            <a:ext cx="7543800" cy="4614863"/>
           </a:xfrm>
-          <a:prstGeom prst="rect">
-            <a:avLst/>
-          </a:prstGeom>
         </p:spPr>
       </p:pic>
     </p:spTree>
     <p:extLst>
       <p:ext uri="{BB962C8B-B14F-4D97-AF65-F5344CB8AC3E}">
-        <p14:creationId xmlns:p14="http://schemas.microsoft.com/office/powerpoint/2010/main" val="1671797532"/>
+        <p14:creationId xmlns:p14="http://schemas.microsoft.com/office/powerpoint/2010/main" val="2648319885"/>
       </p:ext>
     </p:extLst>
   </p:cSld>
   <p:clrMapOvr>
     <a:masterClrMapping/>
   </p:clrMapOvr>
-  <p:timing>
-    <p:tnLst>
-      <p:par>
-        <p:cTn xmlns:p14="http://schemas.microsoft.com/office/powerpoint/2010/main" id="1" dur="indefinite" restart="never" nodeType="tmRoot"/>
-      </p:par>
-    </p:tnLst>
-  </p:timing>
 </p:sld>
 </file>
 

--- a/PPT/SaveTheChildren.pptx
+++ b/PPT/SaveTheChildren.pptx
@@ -263,7 +263,7 @@
           <a:p>
             <a:fld id="{99476B8C-E2CC-5D46-9DDE-C7666EE2F597}" type="datetimeFigureOut">
               <a:rPr lang="en-US" smtClean="0"/>
-              <a:t>20/08/2015</a:t>
+              <a:t>21/08/2015</a:t>
             </a:fld>
             <a:endParaRPr lang="en-US"/>
           </a:p>
@@ -2583,7 +2583,7 @@
           <a:p>
             <a:fld id="{47659A21-E356-8D4D-9764-7E898C09544F}" type="datetimeFigureOut">
               <a:rPr lang="en-US" smtClean="0"/>
-              <a:t>20/08/2015</a:t>
+              <a:t>21/08/2015</a:t>
             </a:fld>
             <a:endParaRPr lang="en-US"/>
           </a:p>
@@ -2798,7 +2798,7 @@
           <a:p>
             <a:fld id="{47659A21-E356-8D4D-9764-7E898C09544F}" type="datetimeFigureOut">
               <a:rPr lang="en-US" smtClean="0"/>
-              <a:t>20/08/2015</a:t>
+              <a:t>21/08/2015</a:t>
             </a:fld>
             <a:endParaRPr lang="en-US"/>
           </a:p>
@@ -2973,7 +2973,7 @@
           <a:p>
             <a:fld id="{47659A21-E356-8D4D-9764-7E898C09544F}" type="datetimeFigureOut">
               <a:rPr lang="en-US" smtClean="0"/>
-              <a:t>20/08/2015</a:t>
+              <a:t>21/08/2015</a:t>
             </a:fld>
             <a:endParaRPr lang="en-US"/>
           </a:p>
@@ -3138,7 +3138,7 @@
           <a:p>
             <a:fld id="{47659A21-E356-8D4D-9764-7E898C09544F}" type="datetimeFigureOut">
               <a:rPr lang="en-US" smtClean="0"/>
-              <a:t>20/08/2015</a:t>
+              <a:t>21/08/2015</a:t>
             </a:fld>
             <a:endParaRPr lang="en-US"/>
           </a:p>
@@ -3424,7 +3424,7 @@
           <a:p>
             <a:fld id="{47659A21-E356-8D4D-9764-7E898C09544F}" type="datetimeFigureOut">
               <a:rPr lang="en-US" smtClean="0"/>
-              <a:t>20/08/2015</a:t>
+              <a:t>21/08/2015</a:t>
             </a:fld>
             <a:endParaRPr lang="en-US"/>
           </a:p>
@@ -3752,7 +3752,7 @@
           <a:p>
             <a:fld id="{47659A21-E356-8D4D-9764-7E898C09544F}" type="datetimeFigureOut">
               <a:rPr lang="en-US" smtClean="0"/>
-              <a:t>20/08/2015</a:t>
+              <a:t>21/08/2015</a:t>
             </a:fld>
             <a:endParaRPr lang="en-US"/>
           </a:p>
@@ -4177,7 +4177,7 @@
           <a:p>
             <a:fld id="{47659A21-E356-8D4D-9764-7E898C09544F}" type="datetimeFigureOut">
               <a:rPr lang="en-US" smtClean="0"/>
-              <a:t>20/08/2015</a:t>
+              <a:t>21/08/2015</a:t>
             </a:fld>
             <a:endParaRPr lang="en-US"/>
           </a:p>
@@ -4350,7 +4350,7 @@
           <a:p>
             <a:fld id="{47659A21-E356-8D4D-9764-7E898C09544F}" type="datetimeFigureOut">
               <a:rPr lang="en-US" smtClean="0"/>
-              <a:t>20/08/2015</a:t>
+              <a:t>21/08/2015</a:t>
             </a:fld>
             <a:endParaRPr lang="en-US"/>
           </a:p>
@@ -4440,7 +4440,7 @@
           <a:p>
             <a:fld id="{47659A21-E356-8D4D-9764-7E898C09544F}" type="datetimeFigureOut">
               <a:rPr lang="en-US" smtClean="0"/>
-              <a:t>20/08/2015</a:t>
+              <a:t>21/08/2015</a:t>
             </a:fld>
             <a:endParaRPr lang="en-US"/>
           </a:p>
@@ -4720,7 +4720,7 @@
           <a:p>
             <a:fld id="{47659A21-E356-8D4D-9764-7E898C09544F}" type="datetimeFigureOut">
               <a:rPr lang="en-US" smtClean="0"/>
-              <a:t>20/08/2015</a:t>
+              <a:t>21/08/2015</a:t>
             </a:fld>
             <a:endParaRPr lang="en-US"/>
           </a:p>
@@ -5019,7 +5019,7 @@
           <a:p>
             <a:fld id="{47659A21-E356-8D4D-9764-7E898C09544F}" type="datetimeFigureOut">
               <a:rPr lang="en-US" smtClean="0"/>
-              <a:t>20/08/2015</a:t>
+              <a:t>21/08/2015</a:t>
             </a:fld>
             <a:endParaRPr lang="en-US"/>
           </a:p>
@@ -5230,7 +5230,7 @@
             <a:fld id="{47659A21-E356-8D4D-9764-7E898C09544F}" type="datetimeFigureOut">
               <a:rPr lang="en-US" smtClean="0"/>
               <a:pPr/>
-              <a:t>20/08/2015</a:t>
+              <a:t>21/08/2015</a:t>
             </a:fld>
             <a:endParaRPr lang="en-US" dirty="0"/>
           </a:p>
@@ -6923,7 +6923,15 @@
             </a:pPr>
             <a:r>
               <a:rPr lang="en-US" dirty="0" smtClean="0"/>
-              <a:t>We have setup do deliver a solution for the Save The Children Organization.</a:t>
+              <a:t>We have setup </a:t>
+            </a:r>
+            <a:r>
+              <a:rPr lang="en-US" dirty="0" smtClean="0"/>
+              <a:t>to </a:t>
+            </a:r>
+            <a:r>
+              <a:rPr lang="en-US" dirty="0" smtClean="0"/>
+              <a:t>deliver a solution for the Save The Children Organization.</a:t>
             </a:r>
           </a:p>
           <a:p>
@@ -8037,9 +8045,24 @@
             </a:pPr>
             <a:r>
               <a:rPr lang="en-US" dirty="0" smtClean="0"/>
-              <a:t>As a team we decided to tackle challenge two, “”</a:t>
-            </a:r>
-            <a:endParaRPr lang="en-US" dirty="0"/>
+              <a:t>As a team we decided to tackle challenge two, </a:t>
+            </a:r>
+            <a:r>
+              <a:rPr lang="en-US" dirty="0" smtClean="0"/>
+              <a:t>“</a:t>
+            </a:r>
+            <a:r>
+              <a:rPr lang="en-GB" dirty="0"/>
+              <a:t>How can we better control the distribution of breast milk substitutes in emergency areas?</a:t>
+            </a:r>
+            <a:r>
+              <a:rPr lang="en-GB" dirty="0"/>
+              <a:t> </a:t>
+            </a:r>
+            <a:r>
+              <a:rPr lang="en-US" dirty="0" smtClean="0"/>
+              <a:t>”</a:t>
+            </a:r>
           </a:p>
         </p:txBody>
       </p:sp>
@@ -8274,7 +8297,11 @@
           <a:p>
             <a:r>
               <a:rPr lang="en-US" dirty="0" smtClean="0"/>
-              <a:t>Though process</a:t>
+              <a:t>Thought </a:t>
+            </a:r>
+            <a:r>
+              <a:rPr lang="en-US" dirty="0" smtClean="0"/>
+              <a:t>process</a:t>
             </a:r>
             <a:endParaRPr lang="en-US" dirty="0"/>
           </a:p>
@@ -8500,15 +8527,7 @@
           <a:p>
             <a:r>
               <a:rPr lang="en-US" dirty="0" smtClean="0"/>
-              <a:t>Educate on </a:t>
-            </a:r>
-            <a:r>
-              <a:rPr lang="en-US" dirty="0" smtClean="0"/>
-              <a:t>various </a:t>
-            </a:r>
-            <a:r>
-              <a:rPr lang="en-US" dirty="0" smtClean="0"/>
-              <a:t>issues</a:t>
+              <a:t>Educate on various issues</a:t>
             </a:r>
           </a:p>
         </p:txBody>
@@ -8600,7 +8619,15 @@
             </a:pPr>
             <a:r>
               <a:rPr lang="en-US" dirty="0" smtClean="0"/>
-              <a:t>By using a set of APIs available to the public so that they can integrate with their own systems, websites or mobile apps. These creates an opportunity of modularized development. Adding one bit after another for the final solution.</a:t>
+              <a:t>By using a set of APIs available to the public so that they can integrate with their own systems, websites or mobile apps. </a:t>
+            </a:r>
+            <a:r>
+              <a:rPr lang="en-US" dirty="0" smtClean="0"/>
+              <a:t>This </a:t>
+            </a:r>
+            <a:r>
+              <a:rPr lang="en-US" dirty="0" smtClean="0"/>
+              <a:t>creates an opportunity of modularized development. Adding one bit after another for the final solution.</a:t>
             </a:r>
           </a:p>
         </p:txBody>
